--- a/folien/Semester_03_Termin_01_Intro.pptx
+++ b/folien/Semester_03_Termin_01_Intro.pptx
@@ -179,7 +179,7 @@
         <p:nvSpPr>
           <p:cNvPr id="2050" name="Rectangle 1"/>
           <p:cNvSpPr>
-            <a:spLocks noGrp="1" noChangeArrowheads="1"/>
+            <a:spLocks noGrp="1" noRot="1" noChangeAspect="1" noChangeArrowheads="1"/>
           </p:cNvSpPr>
           <p:nvPr>
             <p:ph type="sldImg"/>
@@ -719,7 +719,7 @@
         <p:nvSpPr>
           <p:cNvPr id="4099" name="Rectangle 1"/>
           <p:cNvSpPr>
-            <a:spLocks noChangeArrowheads="1" noTextEdit="1"/>
+            <a:spLocks noGrp="1" noRot="1" noChangeAspect="1" noChangeArrowheads="1" noTextEdit="1"/>
           </p:cNvSpPr>
           <p:nvPr>
             <p:ph type="sldImg"/>
@@ -745,7 +745,7 @@
         <p:nvSpPr>
           <p:cNvPr id="4100" name="Rectangle 2"/>
           <p:cNvSpPr>
-            <a:spLocks noChangeArrowheads="1"/>
+            <a:spLocks noGrp="1" noChangeArrowheads="1"/>
           </p:cNvSpPr>
           <p:nvPr>
             <p:ph type="body" idx="1"/>
@@ -830,7 +830,7 @@
         <p:nvSpPr>
           <p:cNvPr id="23555" name="Rectangle 1"/>
           <p:cNvSpPr>
-            <a:spLocks noChangeArrowheads="1" noTextEdit="1"/>
+            <a:spLocks noGrp="1" noRot="1" noChangeAspect="1" noChangeArrowheads="1" noTextEdit="1"/>
           </p:cNvSpPr>
           <p:nvPr>
             <p:ph type="sldImg"/>
@@ -856,7 +856,7 @@
         <p:nvSpPr>
           <p:cNvPr id="23556" name="Rectangle 2"/>
           <p:cNvSpPr>
-            <a:spLocks noChangeArrowheads="1"/>
+            <a:spLocks noGrp="1" noChangeArrowheads="1"/>
           </p:cNvSpPr>
           <p:nvPr>
             <p:ph type="body" idx="1"/>
@@ -941,7 +941,7 @@
         <p:nvSpPr>
           <p:cNvPr id="7171" name="Rectangle 1"/>
           <p:cNvSpPr>
-            <a:spLocks noChangeArrowheads="1" noTextEdit="1"/>
+            <a:spLocks noGrp="1" noRot="1" noChangeAspect="1" noChangeArrowheads="1" noTextEdit="1"/>
           </p:cNvSpPr>
           <p:nvPr>
             <p:ph type="sldImg"/>
@@ -967,7 +967,7 @@
         <p:nvSpPr>
           <p:cNvPr id="7172" name="Rectangle 2"/>
           <p:cNvSpPr>
-            <a:spLocks noChangeArrowheads="1"/>
+            <a:spLocks noGrp="1" noChangeArrowheads="1"/>
           </p:cNvSpPr>
           <p:nvPr>
             <p:ph type="body" idx="1"/>
@@ -1052,7 +1052,7 @@
         <p:nvSpPr>
           <p:cNvPr id="9219" name="Rectangle 1"/>
           <p:cNvSpPr>
-            <a:spLocks noChangeArrowheads="1" noTextEdit="1"/>
+            <a:spLocks noGrp="1" noRot="1" noChangeAspect="1" noChangeArrowheads="1" noTextEdit="1"/>
           </p:cNvSpPr>
           <p:nvPr>
             <p:ph type="sldImg"/>
@@ -1078,7 +1078,7 @@
         <p:nvSpPr>
           <p:cNvPr id="9220" name="Rectangle 2"/>
           <p:cNvSpPr>
-            <a:spLocks noChangeArrowheads="1"/>
+            <a:spLocks noGrp="1" noChangeArrowheads="1"/>
           </p:cNvSpPr>
           <p:nvPr>
             <p:ph type="body" idx="1"/>
@@ -1163,7 +1163,7 @@
         <p:nvSpPr>
           <p:cNvPr id="11267" name="Rectangle 1"/>
           <p:cNvSpPr>
-            <a:spLocks noChangeArrowheads="1" noTextEdit="1"/>
+            <a:spLocks noGrp="1" noRot="1" noChangeAspect="1" noChangeArrowheads="1" noTextEdit="1"/>
           </p:cNvSpPr>
           <p:nvPr>
             <p:ph type="sldImg"/>
@@ -1189,7 +1189,7 @@
         <p:nvSpPr>
           <p:cNvPr id="11268" name="Rectangle 2"/>
           <p:cNvSpPr>
-            <a:spLocks noChangeArrowheads="1"/>
+            <a:spLocks noGrp="1" noChangeArrowheads="1"/>
           </p:cNvSpPr>
           <p:nvPr>
             <p:ph type="body" idx="1"/>
@@ -1274,7 +1274,7 @@
         <p:nvSpPr>
           <p:cNvPr id="13315" name="Rectangle 1"/>
           <p:cNvSpPr>
-            <a:spLocks noChangeArrowheads="1" noTextEdit="1"/>
+            <a:spLocks noGrp="1" noRot="1" noChangeAspect="1" noChangeArrowheads="1" noTextEdit="1"/>
           </p:cNvSpPr>
           <p:nvPr>
             <p:ph type="sldImg"/>
@@ -1300,7 +1300,7 @@
         <p:nvSpPr>
           <p:cNvPr id="13316" name="Rectangle 2"/>
           <p:cNvSpPr>
-            <a:spLocks noChangeArrowheads="1"/>
+            <a:spLocks noGrp="1" noChangeArrowheads="1"/>
           </p:cNvSpPr>
           <p:nvPr>
             <p:ph type="body" idx="1"/>
@@ -1385,7 +1385,7 @@
         <p:nvSpPr>
           <p:cNvPr id="15363" name="Rectangle 1"/>
           <p:cNvSpPr>
-            <a:spLocks noChangeArrowheads="1" noTextEdit="1"/>
+            <a:spLocks noGrp="1" noRot="1" noChangeAspect="1" noChangeArrowheads="1" noTextEdit="1"/>
           </p:cNvSpPr>
           <p:nvPr>
             <p:ph type="sldImg"/>
@@ -1411,7 +1411,7 @@
         <p:nvSpPr>
           <p:cNvPr id="15364" name="Rectangle 2"/>
           <p:cNvSpPr>
-            <a:spLocks noChangeArrowheads="1"/>
+            <a:spLocks noGrp="1" noChangeArrowheads="1"/>
           </p:cNvSpPr>
           <p:nvPr>
             <p:ph type="body" idx="1"/>
@@ -1496,7 +1496,7 @@
         <p:nvSpPr>
           <p:cNvPr id="17411" name="Rectangle 1"/>
           <p:cNvSpPr>
-            <a:spLocks noChangeArrowheads="1" noTextEdit="1"/>
+            <a:spLocks noGrp="1" noRot="1" noChangeAspect="1" noChangeArrowheads="1" noTextEdit="1"/>
           </p:cNvSpPr>
           <p:nvPr>
             <p:ph type="sldImg"/>
@@ -1522,7 +1522,7 @@
         <p:nvSpPr>
           <p:cNvPr id="17412" name="Rectangle 2"/>
           <p:cNvSpPr>
-            <a:spLocks noChangeArrowheads="1"/>
+            <a:spLocks noGrp="1" noChangeArrowheads="1"/>
           </p:cNvSpPr>
           <p:nvPr>
             <p:ph type="body" idx="1"/>
@@ -1607,7 +1607,7 @@
         <p:nvSpPr>
           <p:cNvPr id="19459" name="Rectangle 1"/>
           <p:cNvSpPr>
-            <a:spLocks noChangeArrowheads="1" noTextEdit="1"/>
+            <a:spLocks noGrp="1" noRot="1" noChangeAspect="1" noChangeArrowheads="1" noTextEdit="1"/>
           </p:cNvSpPr>
           <p:nvPr>
             <p:ph type="sldImg"/>
@@ -1633,7 +1633,7 @@
         <p:nvSpPr>
           <p:cNvPr id="19460" name="Rectangle 2"/>
           <p:cNvSpPr>
-            <a:spLocks noChangeArrowheads="1"/>
+            <a:spLocks noGrp="1" noChangeArrowheads="1"/>
           </p:cNvSpPr>
           <p:nvPr>
             <p:ph type="body" idx="1"/>
@@ -1718,7 +1718,7 @@
         <p:nvSpPr>
           <p:cNvPr id="21507" name="Rectangle 1"/>
           <p:cNvSpPr>
-            <a:spLocks noChangeArrowheads="1" noTextEdit="1"/>
+            <a:spLocks noGrp="1" noRot="1" noChangeAspect="1" noChangeArrowheads="1" noTextEdit="1"/>
           </p:cNvSpPr>
           <p:nvPr>
             <p:ph type="sldImg"/>
@@ -1744,7 +1744,7 @@
         <p:nvSpPr>
           <p:cNvPr id="21508" name="Rectangle 2"/>
           <p:cNvSpPr>
-            <a:spLocks noChangeArrowheads="1"/>
+            <a:spLocks noGrp="1" noChangeArrowheads="1"/>
           </p:cNvSpPr>
           <p:nvPr>
             <p:ph type="body" idx="1"/>
@@ -5613,7 +5613,7 @@
   <p:timing>
     <p:tnLst>
       <p:par>
-        <p:cTn id="1" dur="indefinite" nodeType="tmRoot">
+        <p:cTn id="1" dur="indefinite" restart="never" nodeType="tmRoot">
           <p:childTnLst>
             <p:seq concurrent="1" nextAc="seek">
               <p:cTn id="2" dur="0" nodeType="mainSeq"/>
@@ -6163,7 +6163,7 @@
   <p:timing>
     <p:tnLst>
       <p:par>
-        <p:cTn id="1" dur="indefinite" nodeType="tmRoot">
+        <p:cTn id="1" dur="indefinite" restart="never" nodeType="tmRoot">
           <p:childTnLst>
             <p:seq concurrent="1" nextAc="seek">
               <p:cTn id="2" dur="0" nodeType="mainSeq"/>
@@ -6720,7 +6720,7 @@
   <p:timing>
     <p:tnLst>
       <p:par>
-        <p:cTn id="1" dur="indefinite" nodeType="tmRoot">
+        <p:cTn id="1" dur="indefinite" restart="never" nodeType="tmRoot">
           <p:childTnLst>
             <p:seq concurrent="1" nextAc="seek">
               <p:cTn id="2" dur="0" nodeType="mainSeq"/>
@@ -7737,7 +7737,7 @@
   <p:timing>
     <p:tnLst>
       <p:par>
-        <p:cTn id="1" dur="indefinite" nodeType="tmRoot">
+        <p:cTn id="1" dur="indefinite" restart="never" nodeType="tmRoot">
           <p:childTnLst>
             <p:seq concurrent="1" nextAc="seek">
               <p:cTn id="2" dur="0" nodeType="mainSeq"/>
@@ -8211,7 +8211,7 @@
   <p:timing>
     <p:tnLst>
       <p:par>
-        <p:cTn id="1" dur="indefinite" nodeType="tmRoot">
+        <p:cTn id="1" dur="indefinite" restart="never" nodeType="tmRoot">
           <p:childTnLst>
             <p:seq concurrent="1" nextAc="seek">
               <p:cTn id="2" dur="0" nodeType="mainSeq"/>
@@ -8838,7 +8838,7 @@
   <p:timing>
     <p:tnLst>
       <p:par>
-        <p:cTn id="1" dur="indefinite" nodeType="tmRoot">
+        <p:cTn id="1" dur="indefinite" restart="never" nodeType="tmRoot">
           <p:childTnLst>
             <p:seq concurrent="1" nextAc="seek">
               <p:cTn id="2" dur="0" nodeType="mainSeq"/>
@@ -9288,7 +9288,7 @@
   <p:timing>
     <p:tnLst>
       <p:par>
-        <p:cTn id="1" dur="indefinite" nodeType="tmRoot">
+        <p:cTn id="1" dur="indefinite" restart="never" nodeType="tmRoot">
           <p:childTnLst>
             <p:seq concurrent="1" nextAc="seek">
               <p:cTn id="2" dur="0" nodeType="mainSeq"/>
@@ -9775,7 +9775,7 @@
   <p:timing>
     <p:tnLst>
       <p:par>
-        <p:cTn id="1" dur="indefinite" nodeType="tmRoot">
+        <p:cTn id="1" dur="indefinite" restart="never" nodeType="tmRoot">
           <p:childTnLst>
             <p:seq concurrent="1" nextAc="seek">
               <p:cTn id="2" dur="0" nodeType="mainSeq"/>
@@ -10318,7 +10318,7 @@
   <p:timing>
     <p:tnLst>
       <p:par>
-        <p:cTn id="1" dur="indefinite" nodeType="tmRoot">
+        <p:cTn id="1" dur="indefinite" restart="never" nodeType="tmRoot">
           <p:childTnLst>
             <p:seq concurrent="1" nextAc="seek">
               <p:cTn id="2" dur="0" nodeType="mainSeq"/>
@@ -10784,7 +10784,7 @@
   <p:timing>
     <p:tnLst>
       <p:par>
-        <p:cTn id="1" dur="indefinite" nodeType="tmRoot">
+        <p:cTn id="1" dur="indefinite" restart="never" nodeType="tmRoot">
           <p:childTnLst>
             <p:seq concurrent="1" nextAc="seek">
               <p:cTn id="2" dur="0" nodeType="mainSeq"/>
@@ -10814,7 +10814,7 @@
 <file path=ppt/theme/theme1.xml><?xml version="1.0" encoding="utf-8"?>
 <a:theme xmlns:a="http://schemas.openxmlformats.org/drawingml/2006/main" name="Larissa-Design">
   <a:themeElements>
-    <a:clrScheme name="Larissa-Design 1">
+    <a:clrScheme name="Benutzerdefiniert 5">
       <a:dk1>
         <a:srgbClr val="000000"/>
       </a:dk1>
@@ -10846,10 +10846,10 @@
         <a:srgbClr val="2D2DB9"/>
       </a:accent6>
       <a:hlink>
-        <a:srgbClr val="CCCCFF"/>
+        <a:srgbClr val="2D2DB9"/>
       </a:hlink>
       <a:folHlink>
-        <a:srgbClr val="B2B2B2"/>
+        <a:srgbClr val="2D2DB9"/>
       </a:folHlink>
     </a:clrScheme>
     <a:fontScheme name="Larissa-Design">

--- a/folien/Semester_03_Termin_01_Intro.pptx
+++ b/folien/Semester_03_Termin_01_Intro.pptx
@@ -147,6 +147,36 @@
       </a:defRPr>
     </a:lvl9pPr>
   </p:defaultTextStyle>
+  <p:extLst>
+    <p:ext uri="{EFAFB233-063F-42B5-8137-9DF3F51BA10A}">
+      <p15:sldGuideLst xmlns:p15="http://schemas.microsoft.com/office/powerpoint/2012/main">
+        <p15:guide id="1" orient="horz" pos="2160">
+          <p15:clr>
+            <a:srgbClr val="A4A3A4"/>
+          </p15:clr>
+        </p15:guide>
+        <p15:guide id="2" pos="2880">
+          <p15:clr>
+            <a:srgbClr val="A4A3A4"/>
+          </p15:clr>
+        </p15:guide>
+      </p15:sldGuideLst>
+    </p:ext>
+    <p:ext uri="{2D200454-40CA-4A62-9FC3-DE9A4176ACB9}">
+      <p15:notesGuideLst xmlns:p15="http://schemas.microsoft.com/office/powerpoint/2012/main">
+        <p15:guide id="1" orient="horz" pos="2880">
+          <p15:clr>
+            <a:srgbClr val="A4A3A4"/>
+          </p15:clr>
+        </p15:guide>
+        <p15:guide id="2" pos="2160">
+          <p15:clr>
+            <a:srgbClr val="A4A3A4"/>
+          </p15:clr>
+        </p15:guide>
+      </p15:notesGuideLst>
+    </p:ext>
+  </p:extLst>
 </p:presentation>
 </file>
 
@@ -238,7 +268,7 @@
           <a:lstStyle/>
           <a:p>
             <a:pPr lvl="0"/>
-            <a:endParaRPr lang="de-DE" noProof="0" smtClean="0"/>
+            <a:endParaRPr lang="de-DE" noProof="0"/>
           </a:p>
         </p:txBody>
       </p:sp>
@@ -763,7 +793,7 @@
           <a:bodyPr wrap="none" anchor="ctr"/>
           <a:lstStyle/>
           <a:p>
-            <a:endParaRPr lang="de-DE" altLang="de-DE" smtClean="0"/>
+            <a:endParaRPr lang="de-DE" altLang="de-DE"/>
           </a:p>
         </p:txBody>
       </p:sp>
@@ -874,7 +904,7 @@
           <a:bodyPr wrap="none" anchor="ctr"/>
           <a:lstStyle/>
           <a:p>
-            <a:endParaRPr lang="de-DE" altLang="de-DE" smtClean="0"/>
+            <a:endParaRPr lang="de-DE" altLang="de-DE"/>
           </a:p>
         </p:txBody>
       </p:sp>
@@ -985,7 +1015,7 @@
           <a:bodyPr wrap="none" anchor="ctr"/>
           <a:lstStyle/>
           <a:p>
-            <a:endParaRPr lang="de-DE" altLang="de-DE" smtClean="0"/>
+            <a:endParaRPr lang="de-DE" altLang="de-DE"/>
           </a:p>
         </p:txBody>
       </p:sp>
@@ -1096,7 +1126,7 @@
           <a:bodyPr wrap="none" anchor="ctr"/>
           <a:lstStyle/>
           <a:p>
-            <a:endParaRPr lang="de-DE" altLang="de-DE" smtClean="0"/>
+            <a:endParaRPr lang="de-DE" altLang="de-DE"/>
           </a:p>
         </p:txBody>
       </p:sp>
@@ -1207,7 +1237,7 @@
           <a:bodyPr wrap="none" anchor="ctr"/>
           <a:lstStyle/>
           <a:p>
-            <a:endParaRPr lang="de-DE" altLang="de-DE" smtClean="0"/>
+            <a:endParaRPr lang="de-DE" altLang="de-DE"/>
           </a:p>
         </p:txBody>
       </p:sp>
@@ -1318,7 +1348,7 @@
           <a:bodyPr wrap="none" anchor="ctr"/>
           <a:lstStyle/>
           <a:p>
-            <a:endParaRPr lang="de-DE" altLang="de-DE" smtClean="0"/>
+            <a:endParaRPr lang="de-DE" altLang="de-DE"/>
           </a:p>
         </p:txBody>
       </p:sp>
@@ -1429,7 +1459,7 @@
           <a:bodyPr wrap="none" anchor="ctr"/>
           <a:lstStyle/>
           <a:p>
-            <a:endParaRPr lang="de-DE" altLang="de-DE" smtClean="0"/>
+            <a:endParaRPr lang="de-DE" altLang="de-DE"/>
           </a:p>
         </p:txBody>
       </p:sp>
@@ -1540,7 +1570,7 @@
           <a:bodyPr wrap="none" anchor="ctr"/>
           <a:lstStyle/>
           <a:p>
-            <a:endParaRPr lang="de-DE" altLang="de-DE" smtClean="0"/>
+            <a:endParaRPr lang="de-DE" altLang="de-DE"/>
           </a:p>
         </p:txBody>
       </p:sp>
@@ -1651,7 +1681,7 @@
           <a:bodyPr wrap="none" anchor="ctr"/>
           <a:lstStyle/>
           <a:p>
-            <a:endParaRPr lang="de-DE" altLang="de-DE" smtClean="0"/>
+            <a:endParaRPr lang="de-DE" altLang="de-DE"/>
           </a:p>
         </p:txBody>
       </p:sp>
@@ -1762,7 +1792,7 @@
           <a:bodyPr wrap="none" anchor="ctr"/>
           <a:lstStyle/>
           <a:p>
-            <a:endParaRPr lang="de-DE" altLang="de-DE" smtClean="0"/>
+            <a:endParaRPr lang="de-DE" altLang="de-DE"/>
           </a:p>
         </p:txBody>
       </p:sp>
@@ -1812,10 +1842,9 @@
           <a:lstStyle/>
           <a:p>
             <a:r>
-              <a:rPr lang="de-DE" smtClean="0"/>
+              <a:rPr lang="de-DE"/>
               <a:t>Titelmasterformat durch Klicken bearbeiten</a:t>
             </a:r>
-            <a:endParaRPr lang="de-DE"/>
           </a:p>
         </p:txBody>
       </p:sp>
@@ -1877,10 +1906,9 @@
           </a:lstStyle>
           <a:p>
             <a:r>
-              <a:rPr lang="de-DE" smtClean="0"/>
+              <a:rPr lang="de-DE"/>
               <a:t>Formatvorlage des Untertitelmasters durch Klicken bearbeiten</a:t>
             </a:r>
-            <a:endParaRPr lang="de-DE"/>
           </a:p>
         </p:txBody>
       </p:sp>
@@ -2011,10 +2039,9 @@
           <a:lstStyle/>
           <a:p>
             <a:r>
-              <a:rPr lang="de-DE" smtClean="0"/>
+              <a:rPr lang="de-DE"/>
               <a:t>Titelmasterformat durch Klicken bearbeiten</a:t>
             </a:r>
-            <a:endParaRPr lang="de-DE"/>
           </a:p>
         </p:txBody>
       </p:sp>
@@ -2035,38 +2062,37 @@
           <a:p>
             <a:pPr lvl="0"/>
             <a:r>
-              <a:rPr lang="de-DE" smtClean="0"/>
+              <a:rPr lang="de-DE"/>
               <a:t>Textmasterformate durch Klicken bearbeiten</a:t>
             </a:r>
           </a:p>
           <a:p>
             <a:pPr lvl="1"/>
             <a:r>
-              <a:rPr lang="de-DE" smtClean="0"/>
+              <a:rPr lang="de-DE"/>
               <a:t>Zweite Ebene</a:t>
             </a:r>
           </a:p>
           <a:p>
             <a:pPr lvl="2"/>
             <a:r>
-              <a:rPr lang="de-DE" smtClean="0"/>
+              <a:rPr lang="de-DE"/>
               <a:t>Dritte Ebene</a:t>
             </a:r>
           </a:p>
           <a:p>
             <a:pPr lvl="3"/>
             <a:r>
-              <a:rPr lang="de-DE" smtClean="0"/>
+              <a:rPr lang="de-DE"/>
               <a:t>Vierte Ebene</a:t>
             </a:r>
           </a:p>
           <a:p>
             <a:pPr lvl="4"/>
             <a:r>
-              <a:rPr lang="de-DE" smtClean="0"/>
+              <a:rPr lang="de-DE"/>
               <a:t>Fünfte Ebene</a:t>
             </a:r>
-            <a:endParaRPr lang="de-DE"/>
           </a:p>
         </p:txBody>
       </p:sp>
@@ -2202,10 +2228,9 @@
           <a:lstStyle/>
           <a:p>
             <a:r>
-              <a:rPr lang="de-DE" smtClean="0"/>
+              <a:rPr lang="de-DE"/>
               <a:t>Titelmasterformat durch Klicken bearbeiten</a:t>
             </a:r>
-            <a:endParaRPr lang="de-DE"/>
           </a:p>
         </p:txBody>
       </p:sp>
@@ -2231,38 +2256,37 @@
           <a:p>
             <a:pPr lvl="0"/>
             <a:r>
-              <a:rPr lang="de-DE" smtClean="0"/>
+              <a:rPr lang="de-DE"/>
               <a:t>Textmasterformate durch Klicken bearbeiten</a:t>
             </a:r>
           </a:p>
           <a:p>
             <a:pPr lvl="1"/>
             <a:r>
-              <a:rPr lang="de-DE" smtClean="0"/>
+              <a:rPr lang="de-DE"/>
               <a:t>Zweite Ebene</a:t>
             </a:r>
           </a:p>
           <a:p>
             <a:pPr lvl="2"/>
             <a:r>
-              <a:rPr lang="de-DE" smtClean="0"/>
+              <a:rPr lang="de-DE"/>
               <a:t>Dritte Ebene</a:t>
             </a:r>
           </a:p>
           <a:p>
             <a:pPr lvl="3"/>
             <a:r>
-              <a:rPr lang="de-DE" smtClean="0"/>
+              <a:rPr lang="de-DE"/>
               <a:t>Vierte Ebene</a:t>
             </a:r>
           </a:p>
           <a:p>
             <a:pPr lvl="4"/>
             <a:r>
-              <a:rPr lang="de-DE" smtClean="0"/>
+              <a:rPr lang="de-DE"/>
               <a:t>Fünfte Ebene</a:t>
             </a:r>
-            <a:endParaRPr lang="de-DE"/>
           </a:p>
         </p:txBody>
       </p:sp>
@@ -2398,10 +2422,9 @@
           <a:lstStyle/>
           <a:p>
             <a:r>
-              <a:rPr lang="de-DE" smtClean="0"/>
+              <a:rPr lang="de-DE"/>
               <a:t>Titelmasterformat durch Klicken bearbeiten</a:t>
             </a:r>
-            <a:endParaRPr lang="de-DE"/>
           </a:p>
         </p:txBody>
       </p:sp>
@@ -2532,10 +2555,9 @@
           <a:lstStyle/>
           <a:p>
             <a:r>
-              <a:rPr lang="de-DE" smtClean="0"/>
+              <a:rPr lang="de-DE"/>
               <a:t>Titelmasterformat durch Klicken bearbeiten</a:t>
             </a:r>
-            <a:endParaRPr lang="de-DE"/>
           </a:p>
         </p:txBody>
       </p:sp>
@@ -2556,38 +2578,37 @@
           <a:p>
             <a:pPr lvl="0"/>
             <a:r>
-              <a:rPr lang="de-DE" smtClean="0"/>
+              <a:rPr lang="de-DE"/>
               <a:t>Textmasterformate durch Klicken bearbeiten</a:t>
             </a:r>
           </a:p>
           <a:p>
             <a:pPr lvl="1"/>
             <a:r>
-              <a:rPr lang="de-DE" smtClean="0"/>
+              <a:rPr lang="de-DE"/>
               <a:t>Zweite Ebene</a:t>
             </a:r>
           </a:p>
           <a:p>
             <a:pPr lvl="2"/>
             <a:r>
-              <a:rPr lang="de-DE" smtClean="0"/>
+              <a:rPr lang="de-DE"/>
               <a:t>Dritte Ebene</a:t>
             </a:r>
           </a:p>
           <a:p>
             <a:pPr lvl="3"/>
             <a:r>
-              <a:rPr lang="de-DE" smtClean="0"/>
+              <a:rPr lang="de-DE"/>
               <a:t>Vierte Ebene</a:t>
             </a:r>
           </a:p>
           <a:p>
             <a:pPr lvl="4"/>
             <a:r>
-              <a:rPr lang="de-DE" smtClean="0"/>
+              <a:rPr lang="de-DE"/>
               <a:t>Fünfte Ebene</a:t>
             </a:r>
-            <a:endParaRPr lang="de-DE"/>
           </a:p>
         </p:txBody>
       </p:sp>
@@ -2727,10 +2748,9 @@
           </a:lstStyle>
           <a:p>
             <a:r>
-              <a:rPr lang="de-DE" smtClean="0"/>
+              <a:rPr lang="de-DE"/>
               <a:t>Titelmasterformat durch Klicken bearbeiten</a:t>
             </a:r>
-            <a:endParaRPr lang="de-DE"/>
           </a:p>
         </p:txBody>
       </p:sp>
@@ -2793,7 +2813,7 @@
           <a:p>
             <a:pPr lvl="0"/>
             <a:r>
-              <a:rPr lang="de-DE" smtClean="0"/>
+              <a:rPr lang="de-DE"/>
               <a:t>Textmasterformate durch Klicken bearbeiten</a:t>
             </a:r>
           </a:p>
@@ -2926,10 +2946,9 @@
           <a:lstStyle/>
           <a:p>
             <a:r>
-              <a:rPr lang="de-DE" smtClean="0"/>
+              <a:rPr lang="de-DE"/>
               <a:t>Titelmasterformat durch Klicken bearbeiten</a:t>
             </a:r>
-            <a:endParaRPr lang="de-DE"/>
           </a:p>
         </p:txBody>
       </p:sp>
@@ -2983,38 +3002,37 @@
           <a:p>
             <a:pPr lvl="0"/>
             <a:r>
-              <a:rPr lang="de-DE" smtClean="0"/>
+              <a:rPr lang="de-DE"/>
               <a:t>Textmasterformate durch Klicken bearbeiten</a:t>
             </a:r>
           </a:p>
           <a:p>
             <a:pPr lvl="1"/>
             <a:r>
-              <a:rPr lang="de-DE" smtClean="0"/>
+              <a:rPr lang="de-DE"/>
               <a:t>Zweite Ebene</a:t>
             </a:r>
           </a:p>
           <a:p>
             <a:pPr lvl="2"/>
             <a:r>
-              <a:rPr lang="de-DE" smtClean="0"/>
+              <a:rPr lang="de-DE"/>
               <a:t>Dritte Ebene</a:t>
             </a:r>
           </a:p>
           <a:p>
             <a:pPr lvl="3"/>
             <a:r>
-              <a:rPr lang="de-DE" smtClean="0"/>
+              <a:rPr lang="de-DE"/>
               <a:t>Vierte Ebene</a:t>
             </a:r>
           </a:p>
           <a:p>
             <a:pPr lvl="4"/>
             <a:r>
-              <a:rPr lang="de-DE" smtClean="0"/>
+              <a:rPr lang="de-DE"/>
               <a:t>Fünfte Ebene</a:t>
             </a:r>
-            <a:endParaRPr lang="de-DE"/>
           </a:p>
         </p:txBody>
       </p:sp>
@@ -3068,38 +3086,37 @@
           <a:p>
             <a:pPr lvl="0"/>
             <a:r>
-              <a:rPr lang="de-DE" smtClean="0"/>
+              <a:rPr lang="de-DE"/>
               <a:t>Textmasterformate durch Klicken bearbeiten</a:t>
             </a:r>
           </a:p>
           <a:p>
             <a:pPr lvl="1"/>
             <a:r>
-              <a:rPr lang="de-DE" smtClean="0"/>
+              <a:rPr lang="de-DE"/>
               <a:t>Zweite Ebene</a:t>
             </a:r>
           </a:p>
           <a:p>
             <a:pPr lvl="2"/>
             <a:r>
-              <a:rPr lang="de-DE" smtClean="0"/>
+              <a:rPr lang="de-DE"/>
               <a:t>Dritte Ebene</a:t>
             </a:r>
           </a:p>
           <a:p>
             <a:pPr lvl="3"/>
             <a:r>
-              <a:rPr lang="de-DE" smtClean="0"/>
+              <a:rPr lang="de-DE"/>
               <a:t>Vierte Ebene</a:t>
             </a:r>
           </a:p>
           <a:p>
             <a:pPr lvl="4"/>
             <a:r>
-              <a:rPr lang="de-DE" smtClean="0"/>
+              <a:rPr lang="de-DE"/>
               <a:t>Fünfte Ebene</a:t>
             </a:r>
-            <a:endParaRPr lang="de-DE"/>
           </a:p>
         </p:txBody>
       </p:sp>
@@ -3239,10 +3256,9 @@
           </a:lstStyle>
           <a:p>
             <a:r>
-              <a:rPr lang="de-DE" smtClean="0"/>
+              <a:rPr lang="de-DE"/>
               <a:t>Titelmasterformat durch Klicken bearbeiten</a:t>
             </a:r>
-            <a:endParaRPr lang="de-DE"/>
           </a:p>
         </p:txBody>
       </p:sp>
@@ -3305,7 +3321,7 @@
           <a:p>
             <a:pPr lvl="0"/>
             <a:r>
-              <a:rPr lang="de-DE" smtClean="0"/>
+              <a:rPr lang="de-DE"/>
               <a:t>Textmasterformate durch Klicken bearbeiten</a:t>
             </a:r>
           </a:p>
@@ -3361,38 +3377,37 @@
           <a:p>
             <a:pPr lvl="0"/>
             <a:r>
-              <a:rPr lang="de-DE" smtClean="0"/>
+              <a:rPr lang="de-DE"/>
               <a:t>Textmasterformate durch Klicken bearbeiten</a:t>
             </a:r>
           </a:p>
           <a:p>
             <a:pPr lvl="1"/>
             <a:r>
-              <a:rPr lang="de-DE" smtClean="0"/>
+              <a:rPr lang="de-DE"/>
               <a:t>Zweite Ebene</a:t>
             </a:r>
           </a:p>
           <a:p>
             <a:pPr lvl="2"/>
             <a:r>
-              <a:rPr lang="de-DE" smtClean="0"/>
+              <a:rPr lang="de-DE"/>
               <a:t>Dritte Ebene</a:t>
             </a:r>
           </a:p>
           <a:p>
             <a:pPr lvl="3"/>
             <a:r>
-              <a:rPr lang="de-DE" smtClean="0"/>
+              <a:rPr lang="de-DE"/>
               <a:t>Vierte Ebene</a:t>
             </a:r>
           </a:p>
           <a:p>
             <a:pPr lvl="4"/>
             <a:r>
-              <a:rPr lang="de-DE" smtClean="0"/>
+              <a:rPr lang="de-DE"/>
               <a:t>Fünfte Ebene</a:t>
             </a:r>
-            <a:endParaRPr lang="de-DE"/>
           </a:p>
         </p:txBody>
       </p:sp>
@@ -3455,7 +3470,7 @@
           <a:p>
             <a:pPr lvl="0"/>
             <a:r>
-              <a:rPr lang="de-DE" smtClean="0"/>
+              <a:rPr lang="de-DE"/>
               <a:t>Textmasterformate durch Klicken bearbeiten</a:t>
             </a:r>
           </a:p>
@@ -3511,38 +3526,37 @@
           <a:p>
             <a:pPr lvl="0"/>
             <a:r>
-              <a:rPr lang="de-DE" smtClean="0"/>
+              <a:rPr lang="de-DE"/>
               <a:t>Textmasterformate durch Klicken bearbeiten</a:t>
             </a:r>
           </a:p>
           <a:p>
             <a:pPr lvl="1"/>
             <a:r>
-              <a:rPr lang="de-DE" smtClean="0"/>
+              <a:rPr lang="de-DE"/>
               <a:t>Zweite Ebene</a:t>
             </a:r>
           </a:p>
           <a:p>
             <a:pPr lvl="2"/>
             <a:r>
-              <a:rPr lang="de-DE" smtClean="0"/>
+              <a:rPr lang="de-DE"/>
               <a:t>Dritte Ebene</a:t>
             </a:r>
           </a:p>
           <a:p>
             <a:pPr lvl="3"/>
             <a:r>
-              <a:rPr lang="de-DE" smtClean="0"/>
+              <a:rPr lang="de-DE"/>
               <a:t>Vierte Ebene</a:t>
             </a:r>
           </a:p>
           <a:p>
             <a:pPr lvl="4"/>
             <a:r>
-              <a:rPr lang="de-DE" smtClean="0"/>
+              <a:rPr lang="de-DE"/>
               <a:t>Fünfte Ebene</a:t>
             </a:r>
-            <a:endParaRPr lang="de-DE"/>
           </a:p>
         </p:txBody>
       </p:sp>
@@ -3673,10 +3687,9 @@
           <a:lstStyle/>
           <a:p>
             <a:r>
-              <a:rPr lang="de-DE" smtClean="0"/>
+              <a:rPr lang="de-DE"/>
               <a:t>Titelmasterformat durch Klicken bearbeiten</a:t>
             </a:r>
-            <a:endParaRPr lang="de-DE"/>
           </a:p>
         </p:txBody>
       </p:sp>
@@ -3927,10 +3940,9 @@
           </a:lstStyle>
           <a:p>
             <a:r>
-              <a:rPr lang="de-DE" smtClean="0"/>
+              <a:rPr lang="de-DE"/>
               <a:t>Titelmasterformat durch Klicken bearbeiten</a:t>
             </a:r>
-            <a:endParaRPr lang="de-DE"/>
           </a:p>
         </p:txBody>
       </p:sp>
@@ -3984,38 +3996,37 @@
           <a:p>
             <a:pPr lvl="0"/>
             <a:r>
-              <a:rPr lang="de-DE" smtClean="0"/>
+              <a:rPr lang="de-DE"/>
               <a:t>Textmasterformate durch Klicken bearbeiten</a:t>
             </a:r>
           </a:p>
           <a:p>
             <a:pPr lvl="1"/>
             <a:r>
-              <a:rPr lang="de-DE" smtClean="0"/>
+              <a:rPr lang="de-DE"/>
               <a:t>Zweite Ebene</a:t>
             </a:r>
           </a:p>
           <a:p>
             <a:pPr lvl="2"/>
             <a:r>
-              <a:rPr lang="de-DE" smtClean="0"/>
+              <a:rPr lang="de-DE"/>
               <a:t>Dritte Ebene</a:t>
             </a:r>
           </a:p>
           <a:p>
             <a:pPr lvl="3"/>
             <a:r>
-              <a:rPr lang="de-DE" smtClean="0"/>
+              <a:rPr lang="de-DE"/>
               <a:t>Vierte Ebene</a:t>
             </a:r>
           </a:p>
           <a:p>
             <a:pPr lvl="4"/>
             <a:r>
-              <a:rPr lang="de-DE" smtClean="0"/>
+              <a:rPr lang="de-DE"/>
               <a:t>Fünfte Ebene</a:t>
             </a:r>
-            <a:endParaRPr lang="de-DE"/>
           </a:p>
         </p:txBody>
       </p:sp>
@@ -4078,7 +4089,7 @@
           <a:p>
             <a:pPr lvl="0"/>
             <a:r>
-              <a:rPr lang="de-DE" smtClean="0"/>
+              <a:rPr lang="de-DE"/>
               <a:t>Textmasterformate durch Klicken bearbeiten</a:t>
             </a:r>
           </a:p>
@@ -4220,10 +4231,9 @@
           </a:lstStyle>
           <a:p>
             <a:r>
-              <a:rPr lang="de-DE" smtClean="0"/>
+              <a:rPr lang="de-DE"/>
               <a:t>Titelmasterformat durch Klicken bearbeiten</a:t>
             </a:r>
-            <a:endParaRPr lang="de-DE"/>
           </a:p>
         </p:txBody>
       </p:sp>
@@ -4285,7 +4295,7 @@
           </a:lstStyle>
           <a:p>
             <a:pPr lvl="0"/>
-            <a:endParaRPr lang="de-DE" noProof="0" smtClean="0"/>
+            <a:endParaRPr lang="de-DE" noProof="0"/>
           </a:p>
         </p:txBody>
       </p:sp>
@@ -4348,7 +4358,7 @@
           <a:p>
             <a:pPr lvl="0"/>
             <a:r>
-              <a:rPr lang="de-DE" smtClean="0"/>
+              <a:rPr lang="de-DE"/>
               <a:t>Textmasterformate durch Klicken bearbeiten</a:t>
             </a:r>
           </a:p>
@@ -4509,7 +4519,7 @@
           <a:p>
             <a:pPr lvl="0"/>
             <a:r>
-              <a:rPr lang="en-GB" altLang="de-DE" smtClean="0"/>
+              <a:rPr lang="en-GB" altLang="de-DE"/>
               <a:t>Klicken Sie, um das Format des Titeltextes zu bearbeiten</a:t>
             </a:r>
           </a:p>
@@ -4551,63 +4561,63 @@
           <a:p>
             <a:pPr lvl="0"/>
             <a:r>
-              <a:rPr lang="en-GB" altLang="de-DE" smtClean="0"/>
+              <a:rPr lang="en-GB" altLang="de-DE"/>
               <a:t>Klicken Sie, um die Formate des Gliederungstextes zu bearbeiten</a:t>
             </a:r>
           </a:p>
           <a:p>
             <a:pPr lvl="1"/>
             <a:r>
-              <a:rPr lang="en-GB" altLang="de-DE" smtClean="0"/>
+              <a:rPr lang="en-GB" altLang="de-DE"/>
               <a:t>Zweite Gliederungsebene</a:t>
             </a:r>
           </a:p>
           <a:p>
             <a:pPr lvl="2"/>
             <a:r>
-              <a:rPr lang="en-GB" altLang="de-DE" smtClean="0"/>
+              <a:rPr lang="en-GB" altLang="de-DE"/>
               <a:t>Dritte Gliederungsebene</a:t>
             </a:r>
           </a:p>
           <a:p>
             <a:pPr lvl="3"/>
             <a:r>
-              <a:rPr lang="en-GB" altLang="de-DE" smtClean="0"/>
+              <a:rPr lang="en-GB" altLang="de-DE"/>
               <a:t>Vierte Gliederungsebene</a:t>
             </a:r>
           </a:p>
           <a:p>
             <a:pPr lvl="4"/>
             <a:r>
-              <a:rPr lang="en-GB" altLang="de-DE" smtClean="0"/>
+              <a:rPr lang="en-GB" altLang="de-DE"/>
               <a:t>Fünfte Gliederungsebene</a:t>
             </a:r>
           </a:p>
           <a:p>
             <a:pPr lvl="4"/>
             <a:r>
-              <a:rPr lang="en-GB" altLang="de-DE" smtClean="0"/>
+              <a:rPr lang="en-GB" altLang="de-DE"/>
               <a:t>Sechste Gliederungsebene</a:t>
             </a:r>
           </a:p>
           <a:p>
             <a:pPr lvl="4"/>
             <a:r>
-              <a:rPr lang="en-GB" altLang="de-DE" smtClean="0"/>
+              <a:rPr lang="en-GB" altLang="de-DE"/>
               <a:t>Siebente Gliederungsebene</a:t>
             </a:r>
           </a:p>
           <a:p>
             <a:pPr lvl="4"/>
             <a:r>
-              <a:rPr lang="en-GB" altLang="de-DE" smtClean="0"/>
+              <a:rPr lang="en-GB" altLang="de-DE"/>
               <a:t>Achte Gliederungsebene</a:t>
             </a:r>
           </a:p>
           <a:p>
             <a:pPr lvl="4"/>
             <a:r>
-              <a:rPr lang="en-GB" altLang="de-DE" smtClean="0"/>
+              <a:rPr lang="en-GB" altLang="de-DE"/>
               <a:t>Neunte Gliederungsebene</a:t>
             </a:r>
           </a:p>
@@ -5436,7 +5446,7 @@
               </a:tabLst>
             </a:pPr>
             <a:r>
-              <a:rPr lang="de-DE" altLang="de-DE" smtClean="0"/>
+              <a:rPr lang="de-DE" altLang="de-DE"/>
               <a:t> </a:t>
             </a:r>
           </a:p>
@@ -5482,7 +5492,7 @@
               </a:tabLst>
             </a:pPr>
             <a:r>
-              <a:rPr lang="de-DE" altLang="de-DE" b="1" smtClean="0"/>
+              <a:rPr lang="de-DE" altLang="de-DE" b="1"/>
               <a:t>W120</a:t>
             </a:r>
           </a:p>
@@ -5506,7 +5516,7 @@
                 <a:tab pos="8686800" algn="l"/>
               </a:tabLst>
             </a:pPr>
-            <a:endParaRPr lang="de-DE" altLang="de-DE" b="1" smtClean="0"/>
+            <a:endParaRPr lang="de-DE" altLang="de-DE" b="1"/>
           </a:p>
           <a:p>
             <a:pPr marL="0" indent="0" algn="ctr" eaLnBrk="1">
@@ -5529,7 +5539,7 @@
               </a:tabLst>
             </a:pPr>
             <a:r>
-              <a:rPr lang="de-DE" altLang="de-DE" b="1" smtClean="0"/>
+              <a:rPr lang="de-DE" altLang="de-DE" b="1"/>
               <a:t>Einführung in die Software-Entwicklung</a:t>
             </a:r>
           </a:p>
@@ -5553,7 +5563,7 @@
                 <a:tab pos="8686800" algn="l"/>
               </a:tabLst>
             </a:pPr>
-            <a:endParaRPr lang="de-DE" altLang="de-DE" smtClean="0"/>
+            <a:endParaRPr lang="de-DE" altLang="de-DE"/>
           </a:p>
           <a:p>
             <a:pPr marL="0" indent="0" algn="ctr" eaLnBrk="1">
@@ -5575,7 +5585,7 @@
                 <a:tab pos="8686800" algn="l"/>
               </a:tabLst>
             </a:pPr>
-            <a:endParaRPr lang="de-DE" altLang="de-DE" smtClean="0"/>
+            <a:endParaRPr lang="de-DE" altLang="de-DE"/>
           </a:p>
           <a:p>
             <a:pPr marL="0" indent="0" algn="ctr" eaLnBrk="1">
@@ -5598,7 +5608,7 @@
               </a:tabLst>
             </a:pPr>
             <a:r>
-              <a:rPr lang="de-DE" altLang="de-DE" smtClean="0"/>
+              <a:rPr lang="de-DE" altLang="de-DE"/>
               <a:t>Björn Kimminich</a:t>
             </a:r>
           </a:p>
@@ -5683,7 +5693,7 @@
               </a:tabLst>
             </a:pPr>
             <a:r>
-              <a:rPr lang="de-DE" altLang="de-DE" smtClean="0"/>
+              <a:rPr lang="de-DE" altLang="de-DE"/>
               <a:t>Einführung in die Software-Entwicklung</a:t>
             </a:r>
           </a:p>
@@ -5814,7 +5824,7 @@
               </a:tabLst>
             </a:pPr>
             <a:r>
-              <a:rPr lang="de-DE" altLang="de-DE" sz="4000" smtClean="0">
+              <a:rPr lang="de-DE" altLang="de-DE" sz="4000">
                 <a:solidFill>
                   <a:srgbClr val="FFFFFF"/>
                 </a:solidFill>
@@ -5867,21 +5877,21 @@
               </a:tabLst>
             </a:pPr>
             <a:r>
-              <a:rPr lang="de-DE" altLang="de-DE" smtClean="0"/>
+              <a:rPr lang="de-DE" altLang="de-DE" dirty="0"/>
               <a:t>Registrieren Sie sich bei </a:t>
             </a:r>
             <a:r>
-              <a:rPr lang="de-DE" altLang="de-DE" smtClean="0">
+              <a:rPr lang="de-DE" altLang="de-DE" dirty="0">
                 <a:hlinkClick r:id="rId3"/>
               </a:rPr>
               <a:t>https://github.com</a:t>
             </a:r>
             <a:r>
-              <a:rPr lang="de-DE" altLang="de-DE" smtClean="0"/>
+              <a:rPr lang="de-DE" altLang="de-DE" dirty="0"/>
               <a:t> (</a:t>
             </a:r>
             <a:r>
-              <a:rPr lang="de-DE" altLang="de-DE" b="1" smtClean="0">
+              <a:rPr lang="de-DE" altLang="de-DE" b="1" dirty="0">
                 <a:solidFill>
                   <a:srgbClr val="92D050"/>
                 </a:solidFill>
@@ -5890,7 +5900,7 @@
               <a:t></a:t>
             </a:r>
             <a:r>
-              <a:rPr lang="de-DE" altLang="de-DE" smtClean="0"/>
+              <a:rPr lang="de-DE" altLang="de-DE" dirty="0"/>
               <a:t>)</a:t>
             </a:r>
           </a:p>
@@ -5918,7 +5928,7 @@
               </a:tabLst>
             </a:pPr>
             <a:r>
-              <a:rPr lang="de-DE" altLang="de-DE" smtClean="0"/>
+              <a:rPr lang="de-DE" altLang="de-DE" dirty="0"/>
               <a:t>Melden Sie sich mit Ihrem Usernamen an</a:t>
             </a:r>
           </a:p>
@@ -5945,7 +5955,7 @@
                 <a:tab pos="8686800" algn="l"/>
               </a:tabLst>
             </a:pPr>
-            <a:endParaRPr lang="de-DE" altLang="de-DE" smtClean="0"/>
+            <a:endParaRPr lang="de-DE" altLang="de-DE" dirty="0"/>
           </a:p>
           <a:p>
             <a:pPr marL="269875" indent="-269875" eaLnBrk="1">
@@ -5971,16 +5981,16 @@
               </a:tabLst>
             </a:pPr>
             <a:r>
-              <a:rPr lang="de-DE" altLang="de-DE" smtClean="0"/>
+              <a:rPr lang="de-DE" altLang="de-DE" dirty="0"/>
               <a:t>Öffnen Sie </a:t>
             </a:r>
             <a:r>
-              <a:rPr lang="de-DE" altLang="de-DE" smtClean="0">
+              <a:rPr lang="de-DE" altLang="de-DE" dirty="0">
                 <a:hlinkClick r:id="rId4"/>
               </a:rPr>
               <a:t>https://github.com/nordakademie-einfuehrung-java/studenten</a:t>
             </a:r>
-            <a:endParaRPr lang="de-DE" altLang="de-DE" smtClean="0"/>
+            <a:endParaRPr lang="de-DE" altLang="de-DE" dirty="0"/>
           </a:p>
           <a:p>
             <a:pPr marL="269875" indent="-269875" eaLnBrk="1">
@@ -6006,8 +6016,16 @@
               </a:tabLst>
             </a:pPr>
             <a:r>
-              <a:rPr lang="de-DE" altLang="de-DE" smtClean="0"/>
-              <a:t>Klicken Sie auf „Fork“ um eine Kopie der Studenten-Liste in Ihrem Account anzulegen</a:t>
+              <a:rPr lang="de-DE" altLang="de-DE" dirty="0"/>
+              <a:t>Klicken Sie auf „</a:t>
+            </a:r>
+            <a:r>
+              <a:rPr lang="de-DE" altLang="de-DE" dirty="0" err="1"/>
+              <a:t>Fork</a:t>
+            </a:r>
+            <a:r>
+              <a:rPr lang="de-DE" altLang="de-DE" dirty="0"/>
+              <a:t>“ um eine Kopie der Studenten-Liste in Ihrem Account anzulegen</a:t>
             </a:r>
           </a:p>
           <a:p>
@@ -6033,7 +6051,7 @@
                 <a:tab pos="8686800" algn="l"/>
               </a:tabLst>
             </a:pPr>
-            <a:endParaRPr lang="de-DE" altLang="de-DE" smtClean="0"/>
+            <a:endParaRPr lang="de-DE" altLang="de-DE" dirty="0"/>
           </a:p>
           <a:p>
             <a:pPr marL="269875" indent="-269875" eaLnBrk="1">
@@ -6059,7 +6077,7 @@
               </a:tabLst>
             </a:pPr>
             <a:r>
-              <a:rPr lang="de-DE" altLang="de-DE" smtClean="0"/>
+              <a:rPr lang="de-DE" altLang="de-DE" dirty="0"/>
               <a:t>Navigieren Sie in den passenden Zenturien-Ordner und klicken sie auf das „+“ um eine Datei anzulegen</a:t>
             </a:r>
           </a:p>
@@ -6086,7 +6104,7 @@
                 <a:tab pos="8686800" algn="l"/>
               </a:tabLst>
             </a:pPr>
-            <a:endParaRPr lang="de-DE" altLang="de-DE" smtClean="0"/>
+            <a:endParaRPr lang="de-DE" altLang="de-DE" dirty="0"/>
           </a:p>
         </p:txBody>
       </p:sp>
@@ -6233,7 +6251,7 @@
               </a:tabLst>
             </a:pPr>
             <a:r>
-              <a:rPr lang="de-DE" altLang="de-DE" smtClean="0"/>
+              <a:rPr lang="de-DE" altLang="de-DE"/>
               <a:t>Einführung in die Software-Entwicklung</a:t>
             </a:r>
           </a:p>
@@ -6364,7 +6382,7 @@
               </a:tabLst>
             </a:pPr>
             <a:r>
-              <a:rPr lang="de-DE" altLang="de-DE" sz="4000" smtClean="0">
+              <a:rPr lang="de-DE" altLang="de-DE" sz="4000">
                 <a:solidFill>
                   <a:srgbClr val="FFFFFF"/>
                 </a:solidFill>
@@ -6417,18 +6435,18 @@
               </a:tabLst>
             </a:pPr>
             <a:r>
-              <a:rPr lang="de-DE" altLang="de-DE" smtClean="0"/>
+              <a:rPr lang="de-DE" altLang="de-DE"/>
               <a:t>Legen Sie eine Datei benannt wie ihr GitHub-User mit der Endung </a:t>
             </a:r>
             <a:r>
-              <a:rPr lang="de-DE" altLang="de-DE" smtClean="0">
+              <a:rPr lang="de-DE" altLang="de-DE">
                 <a:latin typeface="Courier New" pitchFamily="49" charset="0"/>
                 <a:cs typeface="Courier New" pitchFamily="49" charset="0"/>
               </a:rPr>
               <a:t>.yml</a:t>
             </a:r>
             <a:r>
-              <a:rPr lang="de-DE" altLang="de-DE" smtClean="0"/>
+              <a:rPr lang="de-DE" altLang="de-DE"/>
               <a:t> und folgendem Inhalt an:</a:t>
             </a:r>
           </a:p>
@@ -6455,7 +6473,7 @@
                 <a:tab pos="8686800" algn="l"/>
               </a:tabLst>
             </a:pPr>
-            <a:endParaRPr lang="de-DE" altLang="de-DE" smtClean="0"/>
+            <a:endParaRPr lang="de-DE" altLang="de-DE"/>
           </a:p>
           <a:p>
             <a:pPr marL="269875" indent="-269875" eaLnBrk="1">
@@ -6480,7 +6498,7 @@
                 <a:tab pos="8686800" algn="l"/>
               </a:tabLst>
             </a:pPr>
-            <a:endParaRPr lang="de-DE" altLang="de-DE" smtClean="0"/>
+            <a:endParaRPr lang="de-DE" altLang="de-DE"/>
           </a:p>
           <a:p>
             <a:pPr marL="269875" indent="-269875" eaLnBrk="1">
@@ -6505,7 +6523,7 @@
                 <a:tab pos="8686800" algn="l"/>
               </a:tabLst>
             </a:pPr>
-            <a:endParaRPr lang="de-DE" altLang="de-DE" smtClean="0"/>
+            <a:endParaRPr lang="de-DE" altLang="de-DE"/>
           </a:p>
           <a:p>
             <a:pPr marL="269875" indent="-269875" eaLnBrk="1">
@@ -6531,7 +6549,7 @@
               </a:tabLst>
             </a:pPr>
             <a:r>
-              <a:rPr lang="de-DE" altLang="de-DE" smtClean="0"/>
+              <a:rPr lang="de-DE" altLang="de-DE"/>
               <a:t>Erstellen Sie einen „Pull Request“:</a:t>
             </a:r>
           </a:p>
@@ -6558,7 +6576,7 @@
                 <a:tab pos="8686800" algn="l"/>
               </a:tabLst>
             </a:pPr>
-            <a:endParaRPr lang="de-DE" altLang="de-DE" smtClean="0"/>
+            <a:endParaRPr lang="de-DE" altLang="de-DE"/>
           </a:p>
           <a:p>
             <a:pPr marL="269875" indent="-269875" eaLnBrk="1">
@@ -6584,7 +6602,7 @@
               </a:tabLst>
             </a:pPr>
             <a:r>
-              <a:rPr lang="de-DE" altLang="de-DE" smtClean="0"/>
+              <a:rPr lang="de-DE" altLang="de-DE"/>
               <a:t>GitHub sollte den PR eigenständig zurückführen können:</a:t>
             </a:r>
           </a:p>
@@ -6611,7 +6629,7 @@
                 <a:tab pos="8686800" algn="l"/>
               </a:tabLst>
             </a:pPr>
-            <a:endParaRPr lang="de-DE" altLang="de-DE" smtClean="0"/>
+            <a:endParaRPr lang="de-DE" altLang="de-DE"/>
           </a:p>
         </p:txBody>
       </p:sp>
@@ -6813,7 +6831,7 @@
           <a:bodyPr/>
           <a:lstStyle/>
           <a:p>
-            <a:endParaRPr lang="de-DE" altLang="de-DE" smtClean="0"/>
+            <a:endParaRPr lang="de-DE" altLang="de-DE"/>
           </a:p>
         </p:txBody>
       </p:sp>
@@ -6843,7 +6861,7 @@
               </a:tabLst>
             </a:pPr>
             <a:r>
-              <a:rPr lang="de-DE" altLang="de-DE" smtClean="0"/>
+              <a:rPr lang="de-DE" altLang="de-DE"/>
               <a:t>Einführung in die Software-Entwicklung</a:t>
             </a:r>
           </a:p>
@@ -7342,13 +7360,6 @@
   <p:clrMapOvr>
     <a:masterClrMapping/>
   </p:clrMapOvr>
-  <p:timing>
-    <p:tnLst>
-      <p:par>
-        <p:cTn id="1" dur="indefinite" restart="never" nodeType="tmRoot"/>
-      </p:par>
-    </p:tnLst>
-  </p:timing>
 </p:sld>
 </file>
 
@@ -7395,7 +7406,7 @@
               </a:tabLst>
             </a:pPr>
             <a:r>
-              <a:rPr lang="de-DE" altLang="de-DE" smtClean="0"/>
+              <a:rPr lang="de-DE" altLang="de-DE"/>
               <a:t>Einführung in die Software-Entwicklung</a:t>
             </a:r>
           </a:p>
@@ -7526,7 +7537,7 @@
               </a:tabLst>
             </a:pPr>
             <a:r>
-              <a:rPr lang="de-DE" altLang="de-DE" sz="4000" smtClean="0">
+              <a:rPr lang="de-DE" altLang="de-DE" sz="4000">
                 <a:solidFill>
                   <a:srgbClr val="FFFFFF"/>
                 </a:solidFill>
@@ -7579,13 +7590,13 @@
               </a:tabLst>
             </a:pPr>
             <a:r>
-              <a:rPr lang="de-DE" altLang="de-DE" smtClean="0"/>
+              <a:rPr lang="de-DE" altLang="de-DE"/>
               <a:t>30 Vorlesungsstunden im 3. Semester</a:t>
             </a:r>
             <a:br>
-              <a:rPr lang="de-DE" altLang="de-DE" smtClean="0"/>
+              <a:rPr lang="de-DE" altLang="de-DE"/>
             </a:br>
-            <a:endParaRPr lang="de-DE" altLang="de-DE" smtClean="0"/>
+            <a:endParaRPr lang="de-DE" altLang="de-DE"/>
           </a:p>
           <a:p>
             <a:pPr marL="269875" indent="-269875" eaLnBrk="1">
@@ -7611,7 +7622,7 @@
               </a:tabLst>
             </a:pPr>
             <a:r>
-              <a:rPr lang="de-DE" altLang="de-DE" smtClean="0"/>
+              <a:rPr lang="de-DE" altLang="de-DE"/>
               <a:t>27 Vorlesungsstunden im 4. Semester</a:t>
             </a:r>
           </a:p>
@@ -7639,7 +7650,7 @@
               </a:tabLst>
             </a:pPr>
             <a:r>
-              <a:rPr lang="de-DE" altLang="de-DE" smtClean="0"/>
+              <a:rPr lang="de-DE" altLang="de-DE"/>
               <a:t>Parallel zum 4. Semester Hausarbeit</a:t>
             </a:r>
           </a:p>
@@ -7666,7 +7677,7 @@
                 <a:tab pos="8686800" algn="l"/>
               </a:tabLst>
             </a:pPr>
-            <a:endParaRPr lang="de-DE" altLang="de-DE" smtClean="0"/>
+            <a:endParaRPr lang="de-DE" altLang="de-DE"/>
           </a:p>
           <a:p>
             <a:pPr marL="269875" indent="-269875" eaLnBrk="1">
@@ -7692,14 +7703,14 @@
               </a:tabLst>
             </a:pPr>
             <a:r>
-              <a:rPr lang="de-DE" altLang="de-DE" smtClean="0"/>
+              <a:rPr lang="de-DE" altLang="de-DE"/>
               <a:t>Folien und Übungsmaterial via GitHub </a:t>
             </a:r>
             <a:r>
-              <a:rPr lang="de-DE" altLang="de-DE" sz="1600" smtClean="0"/>
+              <a:rPr lang="de-DE" altLang="de-DE" sz="1600"/>
               <a:t>(dazu später mehr)</a:t>
             </a:r>
-            <a:endParaRPr lang="de-DE" altLang="de-DE" smtClean="0"/>
+            <a:endParaRPr lang="de-DE" altLang="de-DE"/>
           </a:p>
           <a:p>
             <a:pPr marL="269875" indent="-269875" eaLnBrk="1">
@@ -7724,7 +7735,7 @@
                 <a:tab pos="8686800" algn="l"/>
               </a:tabLst>
             </a:pPr>
-            <a:endParaRPr lang="de-DE" altLang="de-DE" smtClean="0"/>
+            <a:endParaRPr lang="de-DE" altLang="de-DE"/>
           </a:p>
         </p:txBody>
       </p:sp>
@@ -7807,7 +7818,7 @@
               </a:tabLst>
             </a:pPr>
             <a:r>
-              <a:rPr lang="de-DE" altLang="de-DE" smtClean="0"/>
+              <a:rPr lang="de-DE" altLang="de-DE"/>
               <a:t>Einführung in die Software-Entwicklung</a:t>
             </a:r>
           </a:p>
@@ -7938,7 +7949,7 @@
               </a:tabLst>
             </a:pPr>
             <a:r>
-              <a:rPr lang="de-DE" altLang="de-DE" sz="4000" smtClean="0">
+              <a:rPr lang="de-DE" altLang="de-DE" sz="4000">
                 <a:solidFill>
                   <a:srgbClr val="FFFFFF"/>
                 </a:solidFill>
@@ -7992,7 +8003,7 @@
               <a:defRPr/>
             </a:pPr>
             <a:r>
-              <a:rPr lang="de-DE" altLang="de-DE" dirty="0" smtClean="0"/>
+              <a:rPr lang="de-DE" altLang="de-DE" dirty="0"/>
               <a:t>Dienstags</a:t>
             </a:r>
           </a:p>
@@ -8021,7 +8032,7 @@
               <a:defRPr/>
             </a:pPr>
             <a:r>
-              <a:rPr lang="de-DE" altLang="de-DE" dirty="0" smtClean="0"/>
+              <a:rPr lang="de-DE" altLang="de-DE" dirty="0"/>
               <a:t>9:15 bis 12:00</a:t>
             </a:r>
           </a:p>
@@ -8050,7 +8061,7 @@
               <a:defRPr/>
             </a:pPr>
             <a:r>
-              <a:rPr lang="de-DE" altLang="de-DE" dirty="0" smtClean="0"/>
+              <a:rPr lang="de-DE" altLang="de-DE" dirty="0"/>
               <a:t>inkl. 15min Pause (i.d.R. beim Übergang zur Übung)</a:t>
             </a:r>
           </a:p>
@@ -8078,7 +8089,7 @@
               </a:tabLst>
               <a:defRPr/>
             </a:pPr>
-            <a:endParaRPr lang="de-DE" altLang="de-DE" dirty="0" smtClean="0"/>
+            <a:endParaRPr lang="de-DE" altLang="de-DE" dirty="0"/>
           </a:p>
           <a:p>
             <a:pPr marL="269875" indent="-269875" eaLnBrk="1">
@@ -8105,7 +8116,7 @@
               <a:defRPr/>
             </a:pPr>
             <a:r>
-              <a:rPr lang="de-DE" altLang="de-DE" dirty="0" smtClean="0"/>
+              <a:rPr lang="de-DE" altLang="de-DE" dirty="0"/>
               <a:t>Ausnahmen</a:t>
             </a:r>
           </a:p>
@@ -8134,18 +8145,42 @@
               <a:defRPr/>
             </a:pPr>
             <a:r>
-              <a:rPr lang="de-DE" altLang="de-DE" dirty="0" smtClean="0"/>
-              <a:t>eventuell wird Vorlesung vom 01.12.15 verschoben</a:t>
-            </a:r>
-          </a:p>
-          <a:p>
-            <a:pPr marL="400050" lvl="1" indent="0" eaLnBrk="1">
+              <a:rPr lang="de-DE" altLang="de-DE" dirty="0"/>
+              <a:t>die Vorlesungen </a:t>
+            </a:r>
+            <a:r>
+              <a:rPr lang="de-DE" altLang="de-DE" dirty="0">
+                <a:solidFill>
+                  <a:srgbClr val="FF0000"/>
+                </a:solidFill>
+              </a:rPr>
+              <a:t>15.11.</a:t>
+            </a:r>
+            <a:r>
+              <a:rPr lang="de-DE" altLang="de-DE" dirty="0"/>
+              <a:t> und </a:t>
+            </a:r>
+            <a:r>
+              <a:rPr lang="de-DE" altLang="de-DE" dirty="0">
+                <a:solidFill>
+                  <a:srgbClr val="FF0000"/>
+                </a:solidFill>
+              </a:rPr>
+              <a:t>29.11.</a:t>
+            </a:r>
+            <a:r>
+              <a:rPr lang="de-DE" altLang="de-DE" dirty="0"/>
+              <a:t> wurden verlegt</a:t>
+            </a:r>
+          </a:p>
+          <a:p>
+            <a:pPr marL="669925" lvl="1" indent="-269875" eaLnBrk="1">
               <a:spcAft>
                 <a:spcPct val="0"/>
               </a:spcAft>
               <a:buSzPct val="45000"/>
-              <a:buFont typeface="Times New Roman" panose="02020603050405020304" pitchFamily="18" charset="0"/>
-              <a:buNone/>
+              <a:buFont typeface="Wingdings" panose="05000000000000000000" pitchFamily="2" charset="2"/>
+              <a:buChar char=""/>
               <a:tabLst>
                 <a:tab pos="723900" algn="l"/>
                 <a:tab pos="1447800" algn="l"/>
@@ -8164,15 +8199,37 @@
             </a:pPr>
             <a:r>
               <a:rPr lang="de-DE" altLang="de-DE" dirty="0"/>
-              <a:t>	</a:t>
-            </a:r>
-            <a:r>
-              <a:rPr lang="de-DE" altLang="de-DE" dirty="0" smtClean="0">
-                <a:sym typeface="Wingdings" panose="05000000000000000000" pitchFamily="2" charset="2"/>
+              <a:t>auf </a:t>
+            </a:r>
+            <a:r>
+              <a:rPr lang="de-DE" altLang="de-DE" b="1" dirty="0">
+                <a:solidFill>
+                  <a:srgbClr val="00B050"/>
+                </a:solidFill>
               </a:rPr>
-              <a:t> Update hierzu folgt zu späterem Zeitpunkt</a:t>
-            </a:r>
-            <a:endParaRPr lang="de-DE" altLang="de-DE" dirty="0" smtClean="0"/>
+              <a:t>Freitag den 21.10.</a:t>
+            </a:r>
+            <a:r>
+              <a:rPr lang="de-DE" altLang="de-DE" dirty="0"/>
+              <a:t> und </a:t>
+            </a:r>
+            <a:r>
+              <a:rPr lang="de-DE" altLang="de-DE" b="1" dirty="0">
+                <a:solidFill>
+                  <a:srgbClr val="00B050"/>
+                </a:solidFill>
+              </a:rPr>
+              <a:t>02.12.</a:t>
+            </a:r>
+            <a:r>
+              <a:rPr lang="de-DE" altLang="de-DE" dirty="0"/>
+              <a:t> </a:t>
+            </a:r>
+            <a:r>
+              <a:rPr lang="de-DE" altLang="de-DE" sz="2400" dirty="0"/>
+              <a:t>(auch 9:15-12:00)</a:t>
+            </a:r>
+            <a:endParaRPr lang="de-DE" altLang="de-DE" dirty="0"/>
           </a:p>
           <a:p>
             <a:pPr marL="269875" indent="-269875" eaLnBrk="1">
@@ -8198,7 +8255,7 @@
               </a:tabLst>
               <a:defRPr/>
             </a:pPr>
-            <a:endParaRPr lang="de-DE" altLang="de-DE" dirty="0" smtClean="0"/>
+            <a:endParaRPr lang="de-DE" altLang="de-DE" dirty="0"/>
           </a:p>
         </p:txBody>
       </p:sp>
@@ -8281,7 +8338,7 @@
               </a:tabLst>
             </a:pPr>
             <a:r>
-              <a:rPr lang="de-DE" altLang="de-DE" smtClean="0"/>
+              <a:rPr lang="de-DE" altLang="de-DE"/>
               <a:t>Einführung in die Software-Entwicklung</a:t>
             </a:r>
           </a:p>
@@ -8412,7 +8469,7 @@
               </a:tabLst>
             </a:pPr>
             <a:r>
-              <a:rPr lang="de-DE" altLang="de-DE" sz="4000" smtClean="0">
+              <a:rPr lang="de-DE" altLang="de-DE" sz="4000">
                 <a:solidFill>
                   <a:srgbClr val="FFFFFF"/>
                 </a:solidFill>
@@ -8465,7 +8522,7 @@
               </a:tabLst>
             </a:pPr>
             <a:r>
-              <a:rPr lang="de-DE" altLang="de-DE" smtClean="0"/>
+              <a:rPr lang="de-DE" altLang="de-DE"/>
               <a:t>Wir sind pünktlich</a:t>
             </a:r>
           </a:p>
@@ -8493,7 +8550,7 @@
               </a:tabLst>
             </a:pPr>
             <a:r>
-              <a:rPr lang="de-DE" altLang="de-DE" smtClean="0"/>
+              <a:rPr lang="de-DE" altLang="de-DE"/>
               <a:t>Fragen sind immer willkommen</a:t>
             </a:r>
           </a:p>
@@ -8521,7 +8578,7 @@
               </a:tabLst>
             </a:pPr>
             <a:r>
-              <a:rPr lang="de-DE" altLang="de-DE" smtClean="0"/>
+              <a:rPr lang="de-DE" altLang="de-DE"/>
               <a:t>Beim Theorieteil wird nicht ge-</a:t>
             </a:r>
           </a:p>
@@ -8549,7 +8606,7 @@
               </a:tabLst>
             </a:pPr>
             <a:r>
-              <a:rPr lang="de-DE" altLang="de-DE" smtClean="0"/>
+              <a:rPr lang="de-DE" altLang="de-DE"/>
               <a:t>googelt</a:t>
             </a:r>
           </a:p>
@@ -8577,7 +8634,7 @@
               </a:tabLst>
             </a:pPr>
             <a:r>
-              <a:rPr lang="de-DE" altLang="de-DE" smtClean="0"/>
+              <a:rPr lang="de-DE" altLang="de-DE"/>
               <a:t>mailt</a:t>
             </a:r>
           </a:p>
@@ -8605,7 +8662,7 @@
               </a:tabLst>
             </a:pPr>
             <a:r>
-              <a:rPr lang="de-DE" altLang="de-DE" smtClean="0"/>
+              <a:rPr lang="de-DE" altLang="de-DE"/>
               <a:t>gessen</a:t>
             </a:r>
           </a:p>
@@ -8633,7 +8690,7 @@
               </a:tabLst>
             </a:pPr>
             <a:r>
-              <a:rPr lang="de-DE" altLang="de-DE" smtClean="0"/>
+              <a:rPr lang="de-DE" altLang="de-DE"/>
               <a:t>quatscht</a:t>
             </a:r>
           </a:p>
@@ -8661,7 +8718,7 @@
               </a:tabLst>
             </a:pPr>
             <a:r>
-              <a:rPr lang="de-DE" altLang="de-DE" smtClean="0"/>
+              <a:rPr lang="de-DE" altLang="de-DE"/>
               <a:t>iphont/anroidet</a:t>
             </a:r>
           </a:p>
@@ -8689,7 +8746,7 @@
               </a:tabLst>
             </a:pPr>
             <a:r>
-              <a:rPr lang="de-DE" altLang="de-DE" smtClean="0"/>
+              <a:rPr lang="de-DE" altLang="de-DE"/>
               <a:t>whatsappt</a:t>
             </a:r>
           </a:p>
@@ -8717,7 +8774,7 @@
               </a:tabLst>
             </a:pPr>
             <a:r>
-              <a:rPr lang="de-DE" altLang="de-DE" smtClean="0"/>
+              <a:rPr lang="de-DE" altLang="de-DE"/>
               <a:t>daddelt</a:t>
             </a:r>
           </a:p>
@@ -8745,7 +8802,7 @@
               </a:tabLst>
             </a:pPr>
             <a:r>
-              <a:rPr lang="de-DE" altLang="de-DE" smtClean="0"/>
+              <a:rPr lang="de-DE" altLang="de-DE"/>
               <a:t>Probleme mit Rechner sofort berichten</a:t>
             </a:r>
           </a:p>
@@ -8773,7 +8830,7 @@
               </a:tabLst>
             </a:pPr>
             <a:r>
-              <a:rPr lang="de-DE" altLang="de-DE" smtClean="0"/>
+              <a:rPr lang="de-DE" altLang="de-DE"/>
               <a:t>Wer mit der allen Übungen fertig ist, darf gehen</a:t>
             </a:r>
           </a:p>
@@ -8800,7 +8857,7 @@
                 <a:tab pos="8686800" algn="l"/>
               </a:tabLst>
             </a:pPr>
-            <a:endParaRPr lang="de-DE" altLang="de-DE" smtClean="0"/>
+            <a:endParaRPr lang="de-DE" altLang="de-DE"/>
           </a:p>
           <a:p>
             <a:pPr marL="269875" indent="-269875" eaLnBrk="1">
@@ -8825,7 +8882,7 @@
                 <a:tab pos="8686800" algn="l"/>
               </a:tabLst>
             </a:pPr>
-            <a:endParaRPr lang="de-DE" altLang="de-DE" smtClean="0"/>
+            <a:endParaRPr lang="de-DE" altLang="de-DE"/>
           </a:p>
         </p:txBody>
       </p:sp>
@@ -8908,7 +8965,7 @@
               </a:tabLst>
             </a:pPr>
             <a:r>
-              <a:rPr lang="de-DE" altLang="de-DE" smtClean="0"/>
+              <a:rPr lang="de-DE" altLang="de-DE"/>
               <a:t>Einführung in die Software-Entwicklung</a:t>
             </a:r>
           </a:p>
@@ -9039,7 +9096,7 @@
               </a:tabLst>
             </a:pPr>
             <a:r>
-              <a:rPr lang="de-DE" altLang="de-DE" sz="4000" smtClean="0">
+              <a:rPr lang="de-DE" altLang="de-DE" sz="4000">
                 <a:solidFill>
                   <a:srgbClr val="FFFFFF"/>
                 </a:solidFill>
@@ -9092,7 +9149,7 @@
               </a:tabLst>
             </a:pPr>
             <a:r>
-              <a:rPr lang="de-DE" altLang="de-DE" smtClean="0"/>
+              <a:rPr lang="de-DE" altLang="de-DE" dirty="0"/>
               <a:t>Java SDK mind. in der Version 1.7</a:t>
             </a:r>
           </a:p>
@@ -9120,26 +9177,22 @@
               </a:tabLst>
             </a:pPr>
             <a:r>
-              <a:rPr lang="de-DE" altLang="de-DE" sz="2400" smtClean="0">
+              <a:rPr lang="de-DE" altLang="de-DE" sz="2400" dirty="0">
                 <a:hlinkClick r:id="rId3"/>
               </a:rPr>
               <a:t>http://www.oracle.com/technetwork/java/javase/downloads</a:t>
             </a:r>
-            <a:r>
-              <a:rPr lang="de-DE" altLang="de-DE" sz="2200" smtClean="0"/>
-              <a:t/>
-            </a:r>
             <a:br>
-              <a:rPr lang="de-DE" altLang="de-DE" sz="2200" smtClean="0"/>
+              <a:rPr lang="de-DE" altLang="de-DE" sz="2200" dirty="0"/>
             </a:br>
             <a:r>
-              <a:rPr lang="de-DE" altLang="de-DE" sz="2200" smtClean="0"/>
+              <a:rPr lang="de-DE" altLang="de-DE" sz="2200" dirty="0"/>
               <a:t>(Java SE Development Kit (JDK), JDK 7 Update 40+)</a:t>
             </a:r>
             <a:br>
-              <a:rPr lang="de-DE" altLang="de-DE" sz="2200" smtClean="0"/>
+              <a:rPr lang="de-DE" altLang="de-DE" sz="2200" dirty="0"/>
             </a:br>
-            <a:endParaRPr lang="de-DE" altLang="de-DE" sz="2200" smtClean="0"/>
+            <a:endParaRPr lang="de-DE" altLang="de-DE" sz="2200" dirty="0"/>
           </a:p>
           <a:p>
             <a:pPr marL="269875" indent="-269875" eaLnBrk="1">
@@ -9165,8 +9218,12 @@
               </a:tabLst>
             </a:pPr>
             <a:r>
-              <a:rPr lang="de-DE" altLang="de-DE" smtClean="0"/>
-              <a:t>Eclipse mind. in der Version 4.x</a:t>
+              <a:rPr lang="de-DE" altLang="de-DE" dirty="0" err="1"/>
+              <a:t>Eclipse</a:t>
+            </a:r>
+            <a:r>
+              <a:rPr lang="de-DE" altLang="de-DE" dirty="0"/>
+              <a:t> mind. in der Version 4.x</a:t>
             </a:r>
           </a:p>
           <a:p>
@@ -9193,26 +9250,22 @@
               </a:tabLst>
             </a:pPr>
             <a:r>
-              <a:rPr lang="de-DE" altLang="de-DE" sz="2400" smtClean="0">
+              <a:rPr lang="de-DE" altLang="de-DE" sz="2400" dirty="0">
                 <a:hlinkClick r:id="rId4"/>
               </a:rPr>
               <a:t>http://www.eclipse.org/downloads/</a:t>
             </a:r>
-            <a:r>
-              <a:rPr lang="de-DE" altLang="de-DE" smtClean="0"/>
-              <a:t/>
-            </a:r>
             <a:br>
-              <a:rPr lang="de-DE" altLang="de-DE" smtClean="0"/>
+              <a:rPr lang="de-DE" altLang="de-DE" dirty="0"/>
             </a:br>
             <a:r>
-              <a:rPr lang="en-GB" altLang="de-DE" sz="2200" smtClean="0"/>
+              <a:rPr lang="en-GB" altLang="de-DE" sz="2200" dirty="0"/>
               <a:t>(Eclipse IDE for Java Developers)</a:t>
             </a:r>
             <a:br>
-              <a:rPr lang="en-GB" altLang="de-DE" sz="2200" smtClean="0"/>
+              <a:rPr lang="en-GB" altLang="de-DE" sz="2200" dirty="0"/>
             </a:br>
-            <a:endParaRPr lang="en-GB" altLang="de-DE" sz="2200" smtClean="0"/>
+            <a:endParaRPr lang="en-GB" altLang="de-DE" sz="2200" dirty="0"/>
           </a:p>
           <a:p>
             <a:pPr marL="269875" indent="-269875" eaLnBrk="1">
@@ -9238,7 +9291,7 @@
                 <a:tab pos="8686800" algn="l"/>
               </a:tabLst>
             </a:pPr>
-            <a:endParaRPr lang="en-GB" altLang="de-DE" smtClean="0"/>
+            <a:endParaRPr lang="en-GB" altLang="de-DE" dirty="0"/>
           </a:p>
           <a:p>
             <a:pPr marL="269875" indent="-269875" eaLnBrk="1">
@@ -9265,17 +9318,25 @@
               </a:tabLst>
             </a:pPr>
             <a:r>
-              <a:rPr lang="en-GB" altLang="de-DE" smtClean="0"/>
-              <a:t>Open-Source-Software, d. h. frei verfügbar</a:t>
-            </a:r>
-            <a:r>
-              <a:rPr lang="en-GB" altLang="de-DE" sz="2600" smtClean="0"/>
-              <a:t/>
+              <a:rPr lang="en-GB" altLang="de-DE" dirty="0"/>
+              <a:t>Open-Source-Software, d. h. </a:t>
+            </a:r>
+            <a:r>
+              <a:rPr lang="en-GB" altLang="de-DE" dirty="0" err="1"/>
+              <a:t>frei</a:t>
+            </a:r>
+            <a:r>
+              <a:rPr lang="en-GB" altLang="de-DE" dirty="0"/>
+              <a:t> </a:t>
+            </a:r>
+            <a:r>
+              <a:rPr lang="en-GB" altLang="de-DE" dirty="0" err="1"/>
+              <a:t>verfügbar</a:t>
             </a:r>
             <a:br>
-              <a:rPr lang="en-GB" altLang="de-DE" sz="2600" smtClean="0"/>
+              <a:rPr lang="en-GB" altLang="de-DE" sz="2600" dirty="0"/>
             </a:br>
-            <a:endParaRPr lang="en-GB" altLang="de-DE" sz="2600" smtClean="0"/>
+            <a:endParaRPr lang="en-GB" altLang="de-DE" sz="2600" dirty="0"/>
           </a:p>
         </p:txBody>
       </p:sp>
@@ -9358,7 +9419,7 @@
               </a:tabLst>
             </a:pPr>
             <a:r>
-              <a:rPr lang="de-DE" altLang="de-DE" smtClean="0"/>
+              <a:rPr lang="de-DE" altLang="de-DE"/>
               <a:t>Einführung in die Software-Entwicklung</a:t>
             </a:r>
           </a:p>
@@ -9489,7 +9550,7 @@
               </a:tabLst>
             </a:pPr>
             <a:r>
-              <a:rPr lang="de-DE" altLang="de-DE" sz="4000" smtClean="0">
+              <a:rPr lang="de-DE" altLang="de-DE" sz="4000">
                 <a:solidFill>
                   <a:srgbClr val="FFFFFF"/>
                 </a:solidFill>
@@ -9542,7 +9603,7 @@
               </a:tabLst>
             </a:pPr>
             <a:r>
-              <a:rPr lang="de-DE" altLang="de-DE" smtClean="0"/>
+              <a:rPr lang="de-DE" altLang="de-DE"/>
               <a:t>Java von Kopf bis Fuß</a:t>
             </a:r>
           </a:p>
@@ -9570,7 +9631,7 @@
               </a:tabLst>
             </a:pPr>
             <a:r>
-              <a:rPr lang="de-DE" altLang="de-DE" smtClean="0"/>
+              <a:rPr lang="de-DE" altLang="de-DE"/>
               <a:t>O‘Reilly</a:t>
             </a:r>
           </a:p>
@@ -9598,7 +9659,7 @@
               </a:tabLst>
             </a:pPr>
             <a:r>
-              <a:rPr lang="de-DE" altLang="de-DE" smtClean="0"/>
+              <a:rPr lang="de-DE" altLang="de-DE"/>
               <a:t>ISBN 978-3897214484</a:t>
             </a:r>
           </a:p>
@@ -9625,7 +9686,7 @@
                 <a:tab pos="8686800" algn="l"/>
               </a:tabLst>
             </a:pPr>
-            <a:endParaRPr lang="de-DE" altLang="de-DE" smtClean="0"/>
+            <a:endParaRPr lang="de-DE" altLang="de-DE"/>
           </a:p>
           <a:p>
             <a:pPr marL="269875" indent="-269875" eaLnBrk="1">
@@ -9651,7 +9712,7 @@
               </a:tabLst>
             </a:pPr>
             <a:r>
-              <a:rPr lang="de-DE" altLang="de-DE" smtClean="0"/>
+              <a:rPr lang="de-DE" altLang="de-DE"/>
               <a:t>Java ist auch eine Insel</a:t>
             </a:r>
           </a:p>
@@ -9679,7 +9740,7 @@
               </a:tabLst>
             </a:pPr>
             <a:r>
-              <a:rPr lang="de-DE" altLang="de-DE" smtClean="0"/>
+              <a:rPr lang="de-DE" altLang="de-DE"/>
               <a:t>http://openbook.galileocomputing.de/javainsel/</a:t>
             </a:r>
           </a:p>
@@ -9707,7 +9768,7 @@
               </a:tabLst>
             </a:pPr>
             <a:r>
-              <a:rPr lang="de-DE" altLang="de-DE" smtClean="0"/>
+              <a:rPr lang="de-DE" altLang="de-DE"/>
               <a:t>Galileo Computing</a:t>
             </a:r>
           </a:p>
@@ -9735,7 +9796,7 @@
               </a:tabLst>
             </a:pPr>
             <a:r>
-              <a:rPr lang="de-DE" altLang="de-DE" smtClean="0"/>
+              <a:rPr lang="de-DE" altLang="de-DE"/>
               <a:t>ISBN 978-3836218023</a:t>
             </a:r>
           </a:p>
@@ -9762,7 +9823,7 @@
                 <a:tab pos="8686800" algn="l"/>
               </a:tabLst>
             </a:pPr>
-            <a:endParaRPr lang="de-DE" altLang="de-DE" smtClean="0"/>
+            <a:endParaRPr lang="de-DE" altLang="de-DE"/>
           </a:p>
         </p:txBody>
       </p:sp>
@@ -9845,7 +9906,7 @@
               </a:tabLst>
             </a:pPr>
             <a:r>
-              <a:rPr lang="de-DE" altLang="de-DE" smtClean="0"/>
+              <a:rPr lang="de-DE" altLang="de-DE"/>
               <a:t>Einführung in die Software-Entwicklung</a:t>
             </a:r>
           </a:p>
@@ -9976,7 +10037,7 @@
               </a:tabLst>
             </a:pPr>
             <a:r>
-              <a:rPr lang="de-DE" altLang="de-DE" sz="4000" smtClean="0">
+              <a:rPr lang="de-DE" altLang="de-DE" sz="4000">
                 <a:solidFill>
                   <a:srgbClr val="FFFFFF"/>
                 </a:solidFill>
@@ -10029,7 +10090,7 @@
               </a:tabLst>
             </a:pPr>
             <a:r>
-              <a:rPr lang="de-DE" altLang="de-DE" smtClean="0"/>
+              <a:rPr lang="de-DE" altLang="de-DE"/>
               <a:t>Java in a Nutshell (5th Edition)</a:t>
             </a:r>
           </a:p>
@@ -10057,7 +10118,7 @@
               </a:tabLst>
             </a:pPr>
             <a:r>
-              <a:rPr lang="de-DE" altLang="de-DE" smtClean="0"/>
+              <a:rPr lang="de-DE" altLang="de-DE"/>
               <a:t>O‘Reilly</a:t>
             </a:r>
           </a:p>
@@ -10085,7 +10146,7 @@
               </a:tabLst>
             </a:pPr>
             <a:r>
-              <a:rPr lang="de-DE" altLang="de-DE" smtClean="0"/>
+              <a:rPr lang="de-DE" altLang="de-DE"/>
               <a:t>ISBN 978-0596104801</a:t>
             </a:r>
           </a:p>
@@ -10112,7 +10173,7 @@
                 <a:tab pos="8686800" algn="l"/>
               </a:tabLst>
             </a:pPr>
-            <a:endParaRPr lang="de-DE" altLang="de-DE" smtClean="0"/>
+            <a:endParaRPr lang="de-DE" altLang="de-DE"/>
           </a:p>
           <a:p>
             <a:pPr marL="269875" indent="-269875" eaLnBrk="1">
@@ -10138,7 +10199,7 @@
               </a:tabLst>
             </a:pPr>
             <a:r>
-              <a:rPr lang="de-DE" altLang="de-DE" smtClean="0"/>
+              <a:rPr lang="de-DE" altLang="de-DE"/>
               <a:t>Java Head First (2nd Edition)</a:t>
             </a:r>
           </a:p>
@@ -10166,7 +10227,7 @@
               </a:tabLst>
             </a:pPr>
             <a:r>
-              <a:rPr lang="de-DE" altLang="de-DE" smtClean="0"/>
+              <a:rPr lang="de-DE" altLang="de-DE"/>
               <a:t>O‘Reilly</a:t>
             </a:r>
           </a:p>
@@ -10194,7 +10255,7 @@
               </a:tabLst>
             </a:pPr>
             <a:r>
-              <a:rPr lang="de-DE" altLang="de-DE" smtClean="0"/>
+              <a:rPr lang="de-DE" altLang="de-DE"/>
               <a:t>ISBN 978-0596009205</a:t>
             </a:r>
           </a:p>
@@ -10222,7 +10283,7 @@
               </a:tabLst>
             </a:pPr>
             <a:r>
-              <a:rPr lang="de-DE" altLang="de-DE" smtClean="0"/>
+              <a:rPr lang="de-DE" altLang="de-DE"/>
               <a:t>Originalfassung von „Java von Kopf bis Fuß“</a:t>
             </a:r>
           </a:p>
@@ -10249,7 +10310,7 @@
                 <a:tab pos="8686800" algn="l"/>
               </a:tabLst>
             </a:pPr>
-            <a:endParaRPr lang="de-DE" altLang="de-DE" smtClean="0"/>
+            <a:endParaRPr lang="de-DE" altLang="de-DE"/>
           </a:p>
           <a:p>
             <a:pPr marL="269875" indent="-269875" eaLnBrk="1">
@@ -10275,7 +10336,7 @@
               </a:tabLst>
             </a:pPr>
             <a:r>
-              <a:rPr lang="de-DE" altLang="de-DE" smtClean="0"/>
+              <a:rPr lang="de-DE" altLang="de-DE"/>
               <a:t>Java Sprachreferenz</a:t>
             </a:r>
           </a:p>
@@ -10303,7 +10364,7 @@
               </a:tabLst>
             </a:pPr>
             <a:r>
-              <a:rPr lang="de-DE" altLang="de-DE" smtClean="0"/>
+              <a:rPr lang="de-DE" altLang="de-DE"/>
               <a:t>http://docs.oracle.com/javase/7/docs/api/</a:t>
             </a:r>
           </a:p>
@@ -10388,7 +10449,7 @@
               </a:tabLst>
             </a:pPr>
             <a:r>
-              <a:rPr lang="de-DE" altLang="de-DE" smtClean="0"/>
+              <a:rPr lang="de-DE" altLang="de-DE"/>
               <a:t>Einführung in die Software-Entwicklung</a:t>
             </a:r>
           </a:p>
@@ -10519,7 +10580,7 @@
               </a:tabLst>
             </a:pPr>
             <a:r>
-              <a:rPr lang="de-DE" altLang="de-DE" sz="4000" smtClean="0">
+              <a:rPr lang="de-DE" altLang="de-DE" sz="4000">
                 <a:solidFill>
                   <a:srgbClr val="FFFFFF"/>
                 </a:solidFill>
@@ -10572,7 +10633,7 @@
               </a:tabLst>
             </a:pPr>
             <a:r>
-              <a:rPr lang="de-DE" altLang="de-DE" smtClean="0"/>
+              <a:rPr lang="de-DE" altLang="de-DE"/>
               <a:t>GitHub ist eine Kollaborationsplattform für Softwareentwickler</a:t>
             </a:r>
           </a:p>
@@ -10600,7 +10661,7 @@
               </a:tabLst>
             </a:pPr>
             <a:r>
-              <a:rPr lang="de-DE" altLang="de-DE" smtClean="0"/>
+              <a:rPr lang="de-DE" altLang="de-DE"/>
               <a:t>Versionskontrollsystem-SocialNetwork-Hybrid</a:t>
             </a:r>
           </a:p>
@@ -10628,7 +10689,7 @@
               </a:tabLst>
             </a:pPr>
             <a:r>
-              <a:rPr lang="de-DE" altLang="de-DE" smtClean="0"/>
+              <a:rPr lang="de-DE" altLang="de-DE"/>
               <a:t>Wird vor allem von Open Source Projekten benutzt</a:t>
             </a:r>
           </a:p>
@@ -10655,7 +10716,7 @@
                 <a:tab pos="8686800" algn="l"/>
               </a:tabLst>
             </a:pPr>
-            <a:endParaRPr lang="de-DE" altLang="de-DE" smtClean="0"/>
+            <a:endParaRPr lang="de-DE" altLang="de-DE"/>
           </a:p>
           <a:p>
             <a:pPr marL="269875" indent="-269875" eaLnBrk="1">
@@ -10681,7 +10742,7 @@
               </a:tabLst>
             </a:pPr>
             <a:r>
-              <a:rPr lang="de-DE" altLang="de-DE" smtClean="0"/>
+              <a:rPr lang="de-DE" altLang="de-DE"/>
               <a:t>Einführung in die Arbeit mit GitHub findet als „Mini-Vorlesung in der Vorlesung“ statt</a:t>
             </a:r>
           </a:p>
@@ -10709,7 +10770,7 @@
               </a:tabLst>
             </a:pPr>
             <a:r>
-              <a:rPr lang="de-DE" altLang="de-DE" smtClean="0"/>
+              <a:rPr lang="de-DE" altLang="de-DE"/>
               <a:t>Jede Woche ca. 15min</a:t>
             </a:r>
           </a:p>
@@ -10736,7 +10797,7 @@
                 <a:tab pos="8686800" algn="l"/>
               </a:tabLst>
             </a:pPr>
-            <a:endParaRPr lang="de-DE" altLang="de-DE" smtClean="0"/>
+            <a:endParaRPr lang="de-DE" altLang="de-DE"/>
           </a:p>
           <a:p>
             <a:pPr marL="269875" indent="-269875" eaLnBrk="1">
@@ -10762,16 +10823,16 @@
               </a:tabLst>
             </a:pPr>
             <a:r>
-              <a:rPr lang="de-DE" altLang="de-DE" smtClean="0"/>
+              <a:rPr lang="de-DE" altLang="de-DE"/>
               <a:t>Spätestens zur Hausarbeit werden Sie froh sein, wenn Sie Versionskontrolle beherrschen… </a:t>
             </a:r>
             <a:r>
-              <a:rPr lang="de-DE" altLang="de-DE" smtClean="0">
+              <a:rPr lang="de-DE" altLang="de-DE">
                 <a:sym typeface="Wingdings" charset="2"/>
               </a:rPr>
               <a:t></a:t>
             </a:r>
-            <a:endParaRPr lang="de-DE" altLang="de-DE" smtClean="0"/>
+            <a:endParaRPr lang="de-DE" altLang="de-DE"/>
           </a:p>
         </p:txBody>
       </p:sp>

--- a/folien/Semester_03_Termin_01_Intro.pptx
+++ b/folien/Semester_03_Termin_01_Intro.pptx
@@ -9266,6 +9266,126 @@
               <a:rPr lang="en-GB" altLang="de-DE" sz="2200" dirty="0"/>
             </a:br>
             <a:endParaRPr lang="en-GB" altLang="de-DE" sz="2200" dirty="0"/>
+          </a:p>
+          <a:p>
+            <a:pPr marL="269875" indent="-269875" eaLnBrk="1">
+              <a:spcAft>
+                <a:spcPct val="0"/>
+              </a:spcAft>
+              <a:buSzPct val="45000"/>
+              <a:buFont typeface="Wingdings" charset="2"/>
+              <a:buChar char=""/>
+              <a:tabLst>
+                <a:tab pos="723900" algn="l"/>
+                <a:tab pos="1447800" algn="l"/>
+                <a:tab pos="2171700" algn="l"/>
+                <a:tab pos="2895600" algn="l"/>
+                <a:tab pos="3619500" algn="l"/>
+                <a:tab pos="4343400" algn="l"/>
+                <a:tab pos="5067300" algn="l"/>
+                <a:tab pos="5791200" algn="l"/>
+                <a:tab pos="6515100" algn="l"/>
+                <a:tab pos="7239000" algn="l"/>
+                <a:tab pos="7962900" algn="l"/>
+                <a:tab pos="8686800" algn="l"/>
+              </a:tabLst>
+            </a:pPr>
+            <a:r>
+              <a:rPr lang="en-GB" altLang="de-DE" dirty="0"/>
+              <a:t>Git</a:t>
+            </a:r>
+          </a:p>
+          <a:p>
+            <a:pPr marL="669925" lvl="1" indent="-269875" eaLnBrk="1">
+              <a:spcAft>
+                <a:spcPct val="0"/>
+              </a:spcAft>
+              <a:buSzPct val="45000"/>
+              <a:buFont typeface="Wingdings" charset="2"/>
+              <a:buChar char=""/>
+              <a:tabLst>
+                <a:tab pos="723900" algn="l"/>
+                <a:tab pos="1447800" algn="l"/>
+                <a:tab pos="2171700" algn="l"/>
+                <a:tab pos="2895600" algn="l"/>
+                <a:tab pos="3619500" algn="l"/>
+                <a:tab pos="4343400" algn="l"/>
+                <a:tab pos="5067300" algn="l"/>
+                <a:tab pos="5791200" algn="l"/>
+                <a:tab pos="6515100" algn="l"/>
+                <a:tab pos="7239000" algn="l"/>
+                <a:tab pos="7962900" algn="l"/>
+                <a:tab pos="8686800" algn="l"/>
+              </a:tabLst>
+            </a:pPr>
+            <a:r>
+              <a:rPr lang="en-GB" altLang="de-DE" sz="2400" dirty="0">
+                <a:hlinkClick r:id="rId5"/>
+              </a:rPr>
+              <a:t>https://git-scm.com/</a:t>
+            </a:r>
+            <a:endParaRPr lang="en-GB" altLang="de-DE" sz="2400" dirty="0"/>
+          </a:p>
+          <a:p>
+            <a:pPr marL="669925" lvl="1" indent="-269875" eaLnBrk="1">
+              <a:spcAft>
+                <a:spcPct val="0"/>
+              </a:spcAft>
+              <a:buSzPct val="45000"/>
+              <a:buFont typeface="Wingdings" charset="2"/>
+              <a:buChar char=""/>
+              <a:tabLst>
+                <a:tab pos="723900" algn="l"/>
+                <a:tab pos="1447800" algn="l"/>
+                <a:tab pos="2171700" algn="l"/>
+                <a:tab pos="2895600" algn="l"/>
+                <a:tab pos="3619500" algn="l"/>
+                <a:tab pos="4343400" algn="l"/>
+                <a:tab pos="5067300" algn="l"/>
+                <a:tab pos="5791200" algn="l"/>
+                <a:tab pos="6515100" algn="l"/>
+                <a:tab pos="7239000" algn="l"/>
+                <a:tab pos="7962900" algn="l"/>
+                <a:tab pos="8686800" algn="l"/>
+              </a:tabLst>
+            </a:pPr>
+            <a:r>
+              <a:rPr lang="en-GB" altLang="de-DE" sz="2400" dirty="0"/>
+              <a:t>(</a:t>
+            </a:r>
+            <a:r>
+              <a:rPr lang="en-GB" altLang="de-DE" sz="2400" dirty="0" err="1"/>
+              <a:t>aktuelle</a:t>
+            </a:r>
+            <a:r>
+              <a:rPr lang="en-GB" altLang="de-DE" sz="2400" dirty="0"/>
+              <a:t> Version </a:t>
+            </a:r>
+            <a:r>
+              <a:rPr lang="en-GB" altLang="de-DE" sz="2400" dirty="0" err="1"/>
+              <a:t>für</a:t>
+            </a:r>
+            <a:r>
+              <a:rPr lang="en-GB" altLang="de-DE" sz="2400" dirty="0"/>
+              <a:t> </a:t>
+            </a:r>
+            <a:r>
+              <a:rPr lang="en-GB" altLang="de-DE" sz="2400" dirty="0" err="1"/>
+              <a:t>Ihr</a:t>
+            </a:r>
+            <a:r>
+              <a:rPr lang="en-GB" altLang="de-DE" sz="2400" dirty="0"/>
+              <a:t> </a:t>
+            </a:r>
+            <a:r>
+              <a:rPr lang="en-GB" altLang="de-DE" sz="2400" dirty="0" err="1"/>
+              <a:t>Betriebssystem</a:t>
+            </a:r>
+            <a:r>
+              <a:rPr lang="en-GB" altLang="de-DE" sz="2400" dirty="0"/>
+              <a:t>)</a:t>
+            </a:r>
+            <a:endParaRPr lang="en-GB" altLang="de-DE" sz="2400" dirty="0"/>
           </a:p>
           <a:p>
             <a:pPr marL="269875" indent="-269875" eaLnBrk="1">

--- a/folien/Semester_03_Termin_01_Intro.pptx
+++ b/folien/Semester_03_Termin_01_Intro.pptx
@@ -178,6 +178,10 @@
     </p:ext>
   </p:extLst>
 </p:presentation>
+</file>
+
+<file path=ppt/revisionInfo.xml><?xml version="1.0" encoding="utf-8"?>
+<p1510:revInfo xmlns:a="http://schemas.openxmlformats.org/drawingml/2006/main" xmlns:r="http://schemas.openxmlformats.org/officeDocument/2006/relationships" xmlns:p1510="http://schemas.microsoft.com/office/powerpoint/2015/10/main"/>
 </file>
 
 <file path=ppt/notesMasters/notesMaster1.xml><?xml version="1.0" encoding="utf-8"?>
@@ -6784,36 +6788,40 @@
       </p:grpSpPr>
       <p:pic>
         <p:nvPicPr>
-          <p:cNvPr id="5122" name="Grafik 1"/>
+          <p:cNvPr id="2" name="Grafik 1">
+            <a:extLst>
+              <a:ext uri="{FF2B5EF4-FFF2-40B4-BE49-F238E27FC236}">
+                <a16:creationId xmlns:a16="http://schemas.microsoft.com/office/drawing/2014/main" id="{EA0C0ECA-8D77-42B4-AC98-E76DD5ACF560}"/>
+              </a:ext>
+            </a:extLst>
+          </p:cNvPr>
           <p:cNvPicPr>
             <a:picLocks noChangeAspect="1"/>
           </p:cNvPicPr>
           <p:nvPr/>
         </p:nvPicPr>
         <p:blipFill>
-          <a:blip r:embed="rId2" cstate="print">
-            <a:grayscl/>
+          <a:blip r:embed="rId2">
+            <a:duotone>
+              <a:schemeClr val="accent4">
+                <a:shade val="45000"/>
+                <a:satMod val="135000"/>
+              </a:schemeClr>
+              <a:prstClr val="white"/>
+            </a:duotone>
           </a:blip>
-          <a:srcRect/>
           <a:stretch>
             <a:fillRect/>
           </a:stretch>
         </p:blipFill>
-        <p:spPr bwMode="auto">
+        <p:spPr>
           <a:xfrm>
-            <a:off x="503238" y="1778000"/>
-            <a:ext cx="3600450" cy="5218113"/>
+            <a:off x="48282" y="1722111"/>
+            <a:ext cx="4199942" cy="5802142"/>
           </a:xfrm>
           <a:prstGeom prst="rect">
             <a:avLst/>
           </a:prstGeom>
-          <a:noFill/>
-          <a:ln w="9525">
-            <a:noFill/>
-            <a:miter lim="800000"/>
-            <a:headEnd/>
-            <a:tailEnd/>
-          </a:ln>
         </p:spPr>
       </p:pic>
       <p:sp>
@@ -8146,7 +8154,7 @@
             </a:pPr>
             <a:r>
               <a:rPr lang="de-DE" altLang="de-DE" dirty="0"/>
-              <a:t>die Vorlesungen </a:t>
+              <a:t>die Vorlesung am </a:t>
             </a:r>
             <a:r>
               <a:rPr lang="de-DE" altLang="de-DE" dirty="0">
@@ -8154,23 +8162,11 @@
                   <a:srgbClr val="FF0000"/>
                 </a:solidFill>
               </a:rPr>
-              <a:t>15.11.</a:t>
+              <a:t>30.11.</a:t>
             </a:r>
             <a:r>
               <a:rPr lang="de-DE" altLang="de-DE" dirty="0"/>
-              <a:t> und </a:t>
-            </a:r>
-            <a:r>
-              <a:rPr lang="de-DE" altLang="de-DE" dirty="0">
-                <a:solidFill>
-                  <a:srgbClr val="FF0000"/>
-                </a:solidFill>
-              </a:rPr>
-              <a:t>29.11.</a:t>
-            </a:r>
-            <a:r>
-              <a:rPr lang="de-DE" altLang="de-DE" dirty="0"/>
-              <a:t> wurden verlegt</a:t>
+              <a:t> muss verlegt werden</a:t>
             </a:r>
           </a:p>
           <a:p>
@@ -8199,37 +8195,8 @@
             </a:pPr>
             <a:r>
               <a:rPr lang="de-DE" altLang="de-DE" dirty="0"/>
-              <a:t>auf </a:t>
-            </a:r>
-            <a:r>
-              <a:rPr lang="de-DE" altLang="de-DE" b="1" dirty="0">
-                <a:solidFill>
-                  <a:srgbClr val="00B050"/>
-                </a:solidFill>
-              </a:rPr>
-              <a:t>Freitag den 21.10.</a:t>
-            </a:r>
-            <a:r>
-              <a:rPr lang="de-DE" altLang="de-DE" dirty="0"/>
-              <a:t> und </a:t>
-            </a:r>
-            <a:r>
-              <a:rPr lang="de-DE" altLang="de-DE" b="1" dirty="0">
-                <a:solidFill>
-                  <a:srgbClr val="00B050"/>
-                </a:solidFill>
-              </a:rPr>
-              <a:t>02.12.</a:t>
-            </a:r>
-            <a:r>
-              <a:rPr lang="de-DE" altLang="de-DE" dirty="0"/>
-              <a:t> </a:t>
-            </a:r>
-            <a:r>
-              <a:rPr lang="de-DE" altLang="de-DE" sz="2400" dirty="0"/>
-              <a:t>(auch 9:15-12:00)</a:t>
-            </a:r>
-            <a:endParaRPr lang="de-DE" altLang="de-DE" dirty="0"/>
+              <a:t>Suche nach Ersatztermin läuft…</a:t>
+            </a:r>
           </a:p>
           <a:p>
             <a:pPr marL="269875" indent="-269875" eaLnBrk="1">
@@ -9385,7 +9352,6 @@
               <a:rPr lang="en-GB" altLang="de-DE" sz="2400" dirty="0"/>
               <a:t>)</a:t>
             </a:r>
-            <a:endParaRPr lang="en-GB" altLang="de-DE" sz="2400" dirty="0"/>
           </a:p>
           <a:p>
             <a:pPr marL="269875" indent="-269875" eaLnBrk="1">

--- a/folien/Semester_03_Termin_01_Intro.pptx
+++ b/folien/Semester_03_Termin_01_Intro.pptx
@@ -8011,9 +8011,10 @@
               <a:defRPr/>
             </a:pPr>
             <a:r>
-              <a:rPr lang="de-DE" altLang="de-DE" dirty="0"/>
-              <a:t>Dienstags</a:t>
-            </a:r>
+              <a:rPr lang="de-DE" altLang="de-DE"/>
+              <a:t>Donnerstags</a:t>
+            </a:r>
+            <a:endParaRPr lang="de-DE" altLang="de-DE" dirty="0"/>
           </a:p>
           <a:p>
             <a:pPr marL="669925" lvl="1" indent="-269875" eaLnBrk="1">
